--- a/RWorkshopPart4-CaseStudy.pptx
+++ b/RWorkshopPart4-CaseStudy.pptx
@@ -136,6 +136,22 @@
       </a:defRPr>
     </a:lvl9pPr>
   </p:defaultTextStyle>
+  <p:extLst>
+    <p:ext uri="{EFAFB233-063F-42B5-8137-9DF3F51BA10A}">
+      <p15:sldGuideLst xmlns:p15="http://schemas.microsoft.com/office/powerpoint/2012/main">
+        <p15:guide id="1" orient="horz" pos="2160">
+          <p15:clr>
+            <a:srgbClr val="A4A3A4"/>
+          </p15:clr>
+        </p15:guide>
+        <p15:guide id="2" pos="2880">
+          <p15:clr>
+            <a:srgbClr val="A4A3A4"/>
+          </p15:clr>
+        </p15:guide>
+      </p15:sldGuideLst>
+    </p:ext>
+  </p:extLst>
 </p:presentation>
 </file>
 
@@ -221,7 +237,7 @@
           <a:p>
             <a:fld id="{C2CC3A1E-D33B-5246-BFA9-2C16B7A4A015}" type="datetimeFigureOut">
               <a:rPr lang="en-US" smtClean="0"/>
-              <a:t>6/13/19</a:t>
+              <a:t>1/7/21</a:t>
             </a:fld>
             <a:endParaRPr lang="en-US"/>
           </a:p>
@@ -387,7 +403,7 @@
           <a:p>
             <a:fld id="{14893C57-73AC-D045-AFD1-F234B36E49AC}" type="datetimeFigureOut">
               <a:rPr lang="en-US" smtClean="0"/>
-              <a:t>6/13/19</a:t>
+              <a:t>1/7/21</a:t>
             </a:fld>
             <a:endParaRPr lang="en-US"/>
           </a:p>
@@ -451,38 +467,37 @@
           <a:p>
             <a:pPr lvl="0"/>
             <a:r>
-              <a:rPr lang="en-US" smtClean="0"/>
+              <a:rPr lang="en-US"/>
               <a:t>Click to edit Master text styles</a:t>
             </a:r>
           </a:p>
           <a:p>
             <a:pPr lvl="1"/>
             <a:r>
-              <a:rPr lang="en-US" smtClean="0"/>
+              <a:rPr lang="en-US"/>
               <a:t>Second level</a:t>
             </a:r>
           </a:p>
           <a:p>
             <a:pPr lvl="2"/>
             <a:r>
-              <a:rPr lang="en-US" smtClean="0"/>
+              <a:rPr lang="en-US"/>
               <a:t>Third level</a:t>
             </a:r>
           </a:p>
           <a:p>
             <a:pPr lvl="3"/>
             <a:r>
-              <a:rPr lang="en-US" smtClean="0"/>
+              <a:rPr lang="en-US"/>
               <a:t>Fourth level</a:t>
             </a:r>
           </a:p>
           <a:p>
             <a:pPr lvl="4"/>
             <a:r>
-              <a:rPr lang="en-US" smtClean="0"/>
+              <a:rPr lang="en-US"/>
               <a:t>Fifth level</a:t>
             </a:r>
-            <a:endParaRPr lang="en-US"/>
           </a:p>
         </p:txBody>
       </p:sp>
@@ -694,10 +709,9 @@
           <a:lstStyle/>
           <a:p>
             <a:r>
-              <a:rPr lang="en-US" smtClean="0"/>
+              <a:rPr lang="en-US"/>
               <a:t>Click to edit Master title style</a:t>
             </a:r>
-            <a:endParaRPr lang="en-US"/>
           </a:p>
         </p:txBody>
       </p:sp>
@@ -813,10 +827,9 @@
           </a:lstStyle>
           <a:p>
             <a:r>
-              <a:rPr lang="en-US" smtClean="0"/>
+              <a:rPr lang="en-US"/>
               <a:t>Click to edit Master subtitle style</a:t>
             </a:r>
-            <a:endParaRPr lang="en-US"/>
           </a:p>
         </p:txBody>
       </p:sp>
@@ -837,7 +850,7 @@
           <a:p>
             <a:fld id="{73F025B3-1245-954B-9D5F-4E55C1BF09C0}" type="datetime1">
               <a:rPr lang="en-US" smtClean="0"/>
-              <a:t>6/13/19</a:t>
+              <a:t>1/7/21</a:t>
             </a:fld>
             <a:endParaRPr lang="en-US"/>
           </a:p>
@@ -931,10 +944,9 @@
           <a:lstStyle/>
           <a:p>
             <a:r>
-              <a:rPr lang="en-US" smtClean="0"/>
+              <a:rPr lang="en-US"/>
               <a:t>Click to edit Master title style</a:t>
             </a:r>
-            <a:endParaRPr lang="en-US"/>
           </a:p>
         </p:txBody>
       </p:sp>
@@ -955,38 +967,37 @@
           <a:p>
             <a:pPr lvl="0"/>
             <a:r>
-              <a:rPr lang="en-US" smtClean="0"/>
+              <a:rPr lang="en-US"/>
               <a:t>Click to edit Master text styles</a:t>
             </a:r>
           </a:p>
           <a:p>
             <a:pPr lvl="1"/>
             <a:r>
-              <a:rPr lang="en-US" smtClean="0"/>
+              <a:rPr lang="en-US"/>
               <a:t>Second level</a:t>
             </a:r>
           </a:p>
           <a:p>
             <a:pPr lvl="2"/>
             <a:r>
-              <a:rPr lang="en-US" smtClean="0"/>
+              <a:rPr lang="en-US"/>
               <a:t>Third level</a:t>
             </a:r>
           </a:p>
           <a:p>
             <a:pPr lvl="3"/>
             <a:r>
-              <a:rPr lang="en-US" smtClean="0"/>
+              <a:rPr lang="en-US"/>
               <a:t>Fourth level</a:t>
             </a:r>
           </a:p>
           <a:p>
             <a:pPr lvl="4"/>
             <a:r>
-              <a:rPr lang="en-US" smtClean="0"/>
+              <a:rPr lang="en-US"/>
               <a:t>Fifth level</a:t>
             </a:r>
-            <a:endParaRPr lang="en-US"/>
           </a:p>
         </p:txBody>
       </p:sp>
@@ -1007,7 +1018,7 @@
           <a:p>
             <a:fld id="{E9B01D77-7F89-4447-85E3-EE5C814C1D07}" type="datetime1">
               <a:rPr lang="en-US" smtClean="0"/>
-              <a:t>6/13/19</a:t>
+              <a:t>1/7/21</a:t>
             </a:fld>
             <a:endParaRPr lang="en-US"/>
           </a:p>
@@ -1106,10 +1117,9 @@
           <a:lstStyle/>
           <a:p>
             <a:r>
-              <a:rPr lang="en-US" smtClean="0"/>
+              <a:rPr lang="en-US"/>
               <a:t>Click to edit Master title style</a:t>
             </a:r>
-            <a:endParaRPr lang="en-US"/>
           </a:p>
         </p:txBody>
       </p:sp>
@@ -1135,38 +1145,37 @@
           <a:p>
             <a:pPr lvl="0"/>
             <a:r>
-              <a:rPr lang="en-US" smtClean="0"/>
+              <a:rPr lang="en-US"/>
               <a:t>Click to edit Master text styles</a:t>
             </a:r>
           </a:p>
           <a:p>
             <a:pPr lvl="1"/>
             <a:r>
-              <a:rPr lang="en-US" smtClean="0"/>
+              <a:rPr lang="en-US"/>
               <a:t>Second level</a:t>
             </a:r>
           </a:p>
           <a:p>
             <a:pPr lvl="2"/>
             <a:r>
-              <a:rPr lang="en-US" smtClean="0"/>
+              <a:rPr lang="en-US"/>
               <a:t>Third level</a:t>
             </a:r>
           </a:p>
           <a:p>
             <a:pPr lvl="3"/>
             <a:r>
-              <a:rPr lang="en-US" smtClean="0"/>
+              <a:rPr lang="en-US"/>
               <a:t>Fourth level</a:t>
             </a:r>
           </a:p>
           <a:p>
             <a:pPr lvl="4"/>
             <a:r>
-              <a:rPr lang="en-US" smtClean="0"/>
+              <a:rPr lang="en-US"/>
               <a:t>Fifth level</a:t>
             </a:r>
-            <a:endParaRPr lang="en-US"/>
           </a:p>
         </p:txBody>
       </p:sp>
@@ -1187,7 +1196,7 @@
           <a:p>
             <a:fld id="{54CC813B-A69E-A94B-90E2-131F574C30D8}" type="datetime1">
               <a:rPr lang="en-US" smtClean="0"/>
-              <a:t>6/13/19</a:t>
+              <a:t>1/7/21</a:t>
             </a:fld>
             <a:endParaRPr lang="en-US"/>
           </a:p>
@@ -1281,10 +1290,9 @@
           <a:lstStyle/>
           <a:p>
             <a:r>
-              <a:rPr lang="en-US" smtClean="0"/>
+              <a:rPr lang="en-US"/>
               <a:t>Click to edit Master title style</a:t>
             </a:r>
-            <a:endParaRPr lang="en-US"/>
           </a:p>
         </p:txBody>
       </p:sp>
@@ -1305,38 +1313,37 @@
           <a:p>
             <a:pPr lvl="0"/>
             <a:r>
-              <a:rPr lang="en-US" smtClean="0"/>
+              <a:rPr lang="en-US"/>
               <a:t>Click to edit Master text styles</a:t>
             </a:r>
           </a:p>
           <a:p>
             <a:pPr lvl="1"/>
             <a:r>
-              <a:rPr lang="en-US" smtClean="0"/>
+              <a:rPr lang="en-US"/>
               <a:t>Second level</a:t>
             </a:r>
           </a:p>
           <a:p>
             <a:pPr lvl="2"/>
             <a:r>
-              <a:rPr lang="en-US" smtClean="0"/>
+              <a:rPr lang="en-US"/>
               <a:t>Third level</a:t>
             </a:r>
           </a:p>
           <a:p>
             <a:pPr lvl="3"/>
             <a:r>
-              <a:rPr lang="en-US" smtClean="0"/>
+              <a:rPr lang="en-US"/>
               <a:t>Fourth level</a:t>
             </a:r>
           </a:p>
           <a:p>
             <a:pPr lvl="4"/>
             <a:r>
-              <a:rPr lang="en-US" smtClean="0"/>
+              <a:rPr lang="en-US"/>
               <a:t>Fifth level</a:t>
             </a:r>
-            <a:endParaRPr lang="en-US"/>
           </a:p>
         </p:txBody>
       </p:sp>
@@ -1357,7 +1364,7 @@
           <a:p>
             <a:fld id="{6695767E-C73D-5D43-B624-40911C1676C1}" type="datetime1">
               <a:rPr lang="en-US" smtClean="0"/>
-              <a:t>6/13/19</a:t>
+              <a:t>1/7/21</a:t>
             </a:fld>
             <a:endParaRPr lang="en-US"/>
           </a:p>
@@ -1460,10 +1467,9 @@
           </a:lstStyle>
           <a:p>
             <a:r>
-              <a:rPr lang="en-US" smtClean="0"/>
+              <a:rPr lang="en-US"/>
               <a:t>Click to edit Master title style</a:t>
             </a:r>
-            <a:endParaRPr lang="en-US"/>
           </a:p>
         </p:txBody>
       </p:sp>
@@ -1580,7 +1586,7 @@
           <a:p>
             <a:pPr lvl="0"/>
             <a:r>
-              <a:rPr lang="en-US" smtClean="0"/>
+              <a:rPr lang="en-US"/>
               <a:t>Click to edit Master text styles</a:t>
             </a:r>
           </a:p>
@@ -1603,7 +1609,7 @@
           <a:p>
             <a:fld id="{C7E9268E-5315-2F49-8807-13694EDF20BA}" type="datetime1">
               <a:rPr lang="en-US" smtClean="0"/>
-              <a:t>6/13/19</a:t>
+              <a:t>1/7/21</a:t>
             </a:fld>
             <a:endParaRPr lang="en-US"/>
           </a:p>
@@ -1697,10 +1703,9 @@
           <a:lstStyle/>
           <a:p>
             <a:r>
-              <a:rPr lang="en-US" smtClean="0"/>
+              <a:rPr lang="en-US"/>
               <a:t>Click to edit Master title style</a:t>
             </a:r>
-            <a:endParaRPr lang="en-US"/>
           </a:p>
         </p:txBody>
       </p:sp>
@@ -1754,38 +1759,37 @@
           <a:p>
             <a:pPr lvl="0"/>
             <a:r>
-              <a:rPr lang="en-US" smtClean="0"/>
+              <a:rPr lang="en-US"/>
               <a:t>Click to edit Master text styles</a:t>
             </a:r>
           </a:p>
           <a:p>
             <a:pPr lvl="1"/>
             <a:r>
-              <a:rPr lang="en-US" smtClean="0"/>
+              <a:rPr lang="en-US"/>
               <a:t>Second level</a:t>
             </a:r>
           </a:p>
           <a:p>
             <a:pPr lvl="2"/>
             <a:r>
-              <a:rPr lang="en-US" smtClean="0"/>
+              <a:rPr lang="en-US"/>
               <a:t>Third level</a:t>
             </a:r>
           </a:p>
           <a:p>
             <a:pPr lvl="3"/>
             <a:r>
-              <a:rPr lang="en-US" smtClean="0"/>
+              <a:rPr lang="en-US"/>
               <a:t>Fourth level</a:t>
             </a:r>
           </a:p>
           <a:p>
             <a:pPr lvl="4"/>
             <a:r>
-              <a:rPr lang="en-US" smtClean="0"/>
+              <a:rPr lang="en-US"/>
               <a:t>Fifth level</a:t>
             </a:r>
-            <a:endParaRPr lang="en-US"/>
           </a:p>
         </p:txBody>
       </p:sp>
@@ -1839,38 +1843,37 @@
           <a:p>
             <a:pPr lvl="0"/>
             <a:r>
-              <a:rPr lang="en-US" smtClean="0"/>
+              <a:rPr lang="en-US"/>
               <a:t>Click to edit Master text styles</a:t>
             </a:r>
           </a:p>
           <a:p>
             <a:pPr lvl="1"/>
             <a:r>
-              <a:rPr lang="en-US" smtClean="0"/>
+              <a:rPr lang="en-US"/>
               <a:t>Second level</a:t>
             </a:r>
           </a:p>
           <a:p>
             <a:pPr lvl="2"/>
             <a:r>
-              <a:rPr lang="en-US" smtClean="0"/>
+              <a:rPr lang="en-US"/>
               <a:t>Third level</a:t>
             </a:r>
           </a:p>
           <a:p>
             <a:pPr lvl="3"/>
             <a:r>
-              <a:rPr lang="en-US" smtClean="0"/>
+              <a:rPr lang="en-US"/>
               <a:t>Fourth level</a:t>
             </a:r>
           </a:p>
           <a:p>
             <a:pPr lvl="4"/>
             <a:r>
-              <a:rPr lang="en-US" smtClean="0"/>
+              <a:rPr lang="en-US"/>
               <a:t>Fifth level</a:t>
             </a:r>
-            <a:endParaRPr lang="en-US"/>
           </a:p>
         </p:txBody>
       </p:sp>
@@ -1891,7 +1894,7 @@
           <a:p>
             <a:fld id="{42737842-E50F-E048-831C-2DAEE47DF075}" type="datetime1">
               <a:rPr lang="en-US" smtClean="0"/>
-              <a:t>6/13/19</a:t>
+              <a:t>1/7/21</a:t>
             </a:fld>
             <a:endParaRPr lang="en-US"/>
           </a:p>
@@ -1989,10 +1992,9 @@
           </a:lstStyle>
           <a:p>
             <a:r>
-              <a:rPr lang="en-US" smtClean="0"/>
+              <a:rPr lang="en-US"/>
               <a:t>Click to edit Master title style</a:t>
             </a:r>
-            <a:endParaRPr lang="en-US"/>
           </a:p>
         </p:txBody>
       </p:sp>
@@ -2055,7 +2057,7 @@
           <a:p>
             <a:pPr lvl="0"/>
             <a:r>
-              <a:rPr lang="en-US" smtClean="0"/>
+              <a:rPr lang="en-US"/>
               <a:t>Click to edit Master text styles</a:t>
             </a:r>
           </a:p>
@@ -2111,38 +2113,37 @@
           <a:p>
             <a:pPr lvl="0"/>
             <a:r>
-              <a:rPr lang="en-US" smtClean="0"/>
+              <a:rPr lang="en-US"/>
               <a:t>Click to edit Master text styles</a:t>
             </a:r>
           </a:p>
           <a:p>
             <a:pPr lvl="1"/>
             <a:r>
-              <a:rPr lang="en-US" smtClean="0"/>
+              <a:rPr lang="en-US"/>
               <a:t>Second level</a:t>
             </a:r>
           </a:p>
           <a:p>
             <a:pPr lvl="2"/>
             <a:r>
-              <a:rPr lang="en-US" smtClean="0"/>
+              <a:rPr lang="en-US"/>
               <a:t>Third level</a:t>
             </a:r>
           </a:p>
           <a:p>
             <a:pPr lvl="3"/>
             <a:r>
-              <a:rPr lang="en-US" smtClean="0"/>
+              <a:rPr lang="en-US"/>
               <a:t>Fourth level</a:t>
             </a:r>
           </a:p>
           <a:p>
             <a:pPr lvl="4"/>
             <a:r>
-              <a:rPr lang="en-US" smtClean="0"/>
+              <a:rPr lang="en-US"/>
               <a:t>Fifth level</a:t>
             </a:r>
-            <a:endParaRPr lang="en-US"/>
           </a:p>
         </p:txBody>
       </p:sp>
@@ -2205,7 +2206,7 @@
           <a:p>
             <a:pPr lvl="0"/>
             <a:r>
-              <a:rPr lang="en-US" smtClean="0"/>
+              <a:rPr lang="en-US"/>
               <a:t>Click to edit Master text styles</a:t>
             </a:r>
           </a:p>
@@ -2261,38 +2262,37 @@
           <a:p>
             <a:pPr lvl="0"/>
             <a:r>
-              <a:rPr lang="en-US" smtClean="0"/>
+              <a:rPr lang="en-US"/>
               <a:t>Click to edit Master text styles</a:t>
             </a:r>
           </a:p>
           <a:p>
             <a:pPr lvl="1"/>
             <a:r>
-              <a:rPr lang="en-US" smtClean="0"/>
+              <a:rPr lang="en-US"/>
               <a:t>Second level</a:t>
             </a:r>
           </a:p>
           <a:p>
             <a:pPr lvl="2"/>
             <a:r>
-              <a:rPr lang="en-US" smtClean="0"/>
+              <a:rPr lang="en-US"/>
               <a:t>Third level</a:t>
             </a:r>
           </a:p>
           <a:p>
             <a:pPr lvl="3"/>
             <a:r>
-              <a:rPr lang="en-US" smtClean="0"/>
+              <a:rPr lang="en-US"/>
               <a:t>Fourth level</a:t>
             </a:r>
           </a:p>
           <a:p>
             <a:pPr lvl="4"/>
             <a:r>
-              <a:rPr lang="en-US" smtClean="0"/>
+              <a:rPr lang="en-US"/>
               <a:t>Fifth level</a:t>
             </a:r>
-            <a:endParaRPr lang="en-US"/>
           </a:p>
         </p:txBody>
       </p:sp>
@@ -2313,7 +2313,7 @@
           <a:p>
             <a:fld id="{06677687-FD27-3D45-84EA-22933349BC5F}" type="datetime1">
               <a:rPr lang="en-US" smtClean="0"/>
-              <a:t>6/13/19</a:t>
+              <a:t>1/7/21</a:t>
             </a:fld>
             <a:endParaRPr lang="en-US"/>
           </a:p>
@@ -2407,10 +2407,9 @@
           <a:lstStyle/>
           <a:p>
             <a:r>
-              <a:rPr lang="en-US" smtClean="0"/>
+              <a:rPr lang="en-US"/>
               <a:t>Click to edit Master title style</a:t>
             </a:r>
-            <a:endParaRPr lang="en-US"/>
           </a:p>
         </p:txBody>
       </p:sp>
@@ -2431,7 +2430,7 @@
           <a:p>
             <a:fld id="{6CD3199B-C0EB-034E-9AC5-EE156F337F13}" type="datetime1">
               <a:rPr lang="en-US" smtClean="0"/>
-              <a:t>6/13/19</a:t>
+              <a:t>1/7/21</a:t>
             </a:fld>
             <a:endParaRPr lang="en-US"/>
           </a:p>
@@ -2526,7 +2525,7 @@
           <a:p>
             <a:fld id="{3BD42CBB-68CB-1B43-BE35-628089C82B9F}" type="datetime1">
               <a:rPr lang="en-US" smtClean="0"/>
-              <a:t>6/13/19</a:t>
+              <a:t>1/7/21</a:t>
             </a:fld>
             <a:endParaRPr lang="en-US"/>
           </a:p>
@@ -2629,10 +2628,9 @@
           </a:lstStyle>
           <a:p>
             <a:r>
-              <a:rPr lang="en-US" smtClean="0"/>
+              <a:rPr lang="en-US"/>
               <a:t>Click to edit Master title style</a:t>
             </a:r>
-            <a:endParaRPr lang="en-US"/>
           </a:p>
         </p:txBody>
       </p:sp>
@@ -2686,38 +2684,37 @@
           <a:p>
             <a:pPr lvl="0"/>
             <a:r>
-              <a:rPr lang="en-US" smtClean="0"/>
+              <a:rPr lang="en-US"/>
               <a:t>Click to edit Master text styles</a:t>
             </a:r>
           </a:p>
           <a:p>
             <a:pPr lvl="1"/>
             <a:r>
-              <a:rPr lang="en-US" smtClean="0"/>
+              <a:rPr lang="en-US"/>
               <a:t>Second level</a:t>
             </a:r>
           </a:p>
           <a:p>
             <a:pPr lvl="2"/>
             <a:r>
-              <a:rPr lang="en-US" smtClean="0"/>
+              <a:rPr lang="en-US"/>
               <a:t>Third level</a:t>
             </a:r>
           </a:p>
           <a:p>
             <a:pPr lvl="3"/>
             <a:r>
-              <a:rPr lang="en-US" smtClean="0"/>
+              <a:rPr lang="en-US"/>
               <a:t>Fourth level</a:t>
             </a:r>
           </a:p>
           <a:p>
             <a:pPr lvl="4"/>
             <a:r>
-              <a:rPr lang="en-US" smtClean="0"/>
+              <a:rPr lang="en-US"/>
               <a:t>Fifth level</a:t>
             </a:r>
-            <a:endParaRPr lang="en-US"/>
           </a:p>
         </p:txBody>
       </p:sp>
@@ -2780,7 +2777,7 @@
           <a:p>
             <a:pPr lvl="0"/>
             <a:r>
-              <a:rPr lang="en-US" smtClean="0"/>
+              <a:rPr lang="en-US"/>
               <a:t>Click to edit Master text styles</a:t>
             </a:r>
           </a:p>
@@ -2803,7 +2800,7 @@
           <a:p>
             <a:fld id="{C7FEAB64-78C5-3245-AB5C-13D1CE6A3097}" type="datetime1">
               <a:rPr lang="en-US" smtClean="0"/>
-              <a:t>6/13/19</a:t>
+              <a:t>1/7/21</a:t>
             </a:fld>
             <a:endParaRPr lang="en-US"/>
           </a:p>
@@ -2906,10 +2903,9 @@
           </a:lstStyle>
           <a:p>
             <a:r>
-              <a:rPr lang="en-US" smtClean="0"/>
+              <a:rPr lang="en-US"/>
               <a:t>Click to edit Master title style</a:t>
             </a:r>
-            <a:endParaRPr lang="en-US"/>
           </a:p>
         </p:txBody>
       </p:sp>
@@ -3033,7 +3029,7 @@
           <a:p>
             <a:pPr lvl="0"/>
             <a:r>
-              <a:rPr lang="en-US" smtClean="0"/>
+              <a:rPr lang="en-US"/>
               <a:t>Click to edit Master text styles</a:t>
             </a:r>
           </a:p>
@@ -3056,7 +3052,7 @@
           <a:p>
             <a:fld id="{5A0AA411-28A0-3A4C-B001-2104CB59ABA1}" type="datetime1">
               <a:rPr lang="en-US" smtClean="0"/>
-              <a:t>6/13/19</a:t>
+              <a:t>1/7/21</a:t>
             </a:fld>
             <a:endParaRPr lang="en-US"/>
           </a:p>
@@ -3165,10 +3161,9 @@
           <a:lstStyle/>
           <a:p>
             <a:r>
-              <a:rPr lang="en-US" smtClean="0"/>
+              <a:rPr lang="en-US"/>
               <a:t>Click to edit Master title style</a:t>
             </a:r>
-            <a:endParaRPr lang="en-US"/>
           </a:p>
         </p:txBody>
       </p:sp>
@@ -3199,38 +3194,37 @@
           <a:p>
             <a:pPr lvl="0"/>
             <a:r>
-              <a:rPr lang="en-US" smtClean="0"/>
+              <a:rPr lang="en-US"/>
               <a:t>Click to edit Master text styles</a:t>
             </a:r>
           </a:p>
           <a:p>
             <a:pPr lvl="1"/>
             <a:r>
-              <a:rPr lang="en-US" smtClean="0"/>
+              <a:rPr lang="en-US"/>
               <a:t>Second level</a:t>
             </a:r>
           </a:p>
           <a:p>
             <a:pPr lvl="2"/>
             <a:r>
-              <a:rPr lang="en-US" smtClean="0"/>
+              <a:rPr lang="en-US"/>
               <a:t>Third level</a:t>
             </a:r>
           </a:p>
           <a:p>
             <a:pPr lvl="3"/>
             <a:r>
-              <a:rPr lang="en-US" smtClean="0"/>
+              <a:rPr lang="en-US"/>
               <a:t>Fourth level</a:t>
             </a:r>
           </a:p>
           <a:p>
             <a:pPr lvl="4"/>
             <a:r>
-              <a:rPr lang="en-US" smtClean="0"/>
+              <a:rPr lang="en-US"/>
               <a:t>Fifth level</a:t>
             </a:r>
-            <a:endParaRPr lang="en-US"/>
           </a:p>
         </p:txBody>
       </p:sp>
@@ -3269,7 +3263,7 @@
           <a:p>
             <a:fld id="{391060B3-373B-644E-A1B7-D215202ACDAD}" type="datetime1">
               <a:rPr lang="en-US" smtClean="0"/>
-              <a:t>6/13/19</a:t>
+              <a:t>1/7/21</a:t>
             </a:fld>
             <a:endParaRPr lang="en-US"/>
           </a:p>
@@ -3663,22 +3657,22 @@
           <a:lstStyle/>
           <a:p>
             <a:r>
-              <a:rPr lang="en-US" smtClean="0"/>
+              <a:rPr lang="en-US"/>
               <a:t>R Workshop, Part 4</a:t>
             </a:r>
             <a:br>
-              <a:rPr lang="en-US" smtClean="0"/>
+              <a:rPr lang="en-US"/>
             </a:br>
             <a:r>
-              <a:rPr lang="en-US" smtClean="0"/>
+              <a:rPr lang="en-US"/>
               <a:t>(A </a:t>
             </a:r>
             <a:r>
-              <a:rPr lang="en-US" dirty="0" smtClean="0"/>
+              <a:rPr lang="en-US" dirty="0"/>
               <a:t>case study in using R </a:t>
             </a:r>
             <a:r>
-              <a:rPr lang="en-US" smtClean="0"/>
+              <a:rPr lang="en-US"/>
               <a:t>for analysis)</a:t>
             </a:r>
             <a:endParaRPr lang="en-US" dirty="0"/>
@@ -3715,12 +3709,12 @@
           </a:p>
           <a:p>
             <a:r>
-              <a:rPr lang="en-US"/>
-              <a:t>SER 2019</a:t>
-            </a:r>
-          </a:p>
-          <a:p>
-            <a:endParaRPr lang="en-US" dirty="0" smtClean="0"/>
+              <a:rPr lang="en-US" dirty="0"/>
+              <a:t>SER 2020</a:t>
+            </a:r>
+          </a:p>
+          <a:p>
+            <a:endParaRPr lang="en-US" dirty="0"/>
           </a:p>
           <a:p>
             <a:endParaRPr lang="en-US" dirty="0"/>
@@ -3785,14 +3779,14 @@
           </a:ln>
           <a:extLst>
             <a:ext uri="{909E8E84-426E-40dd-AFC4-6F175D3DCCD1}">
-              <a14:hiddenFill xmlns:a14="http://schemas.microsoft.com/office/drawing/2010/main">
+              <a14:hiddenFill xmlns:a14="http://schemas.microsoft.com/office/drawing/2010/main" xmlns="">
                 <a:solidFill>
                   <a:schemeClr val="accent1"/>
                 </a:solidFill>
               </a14:hiddenFill>
             </a:ext>
             <a:ext uri="{91240B29-F687-4f45-9708-019B960494DF}">
-              <a14:hiddenLine xmlns:a14="http://schemas.microsoft.com/office/drawing/2010/main" w="9525">
+              <a14:hiddenLine xmlns:a14="http://schemas.microsoft.com/office/drawing/2010/main" xmlns="" w="9525">
                 <a:solidFill>
                   <a:schemeClr val="tx1"/>
                 </a:solidFill>
@@ -3839,14 +3833,14 @@
           </a:ln>
           <a:extLst>
             <a:ext uri="{909E8E84-426E-40dd-AFC4-6F175D3DCCD1}">
-              <a14:hiddenFill xmlns:a14="http://schemas.microsoft.com/office/drawing/2010/main">
+              <a14:hiddenFill xmlns:a14="http://schemas.microsoft.com/office/drawing/2010/main" xmlns="">
                 <a:solidFill>
                   <a:schemeClr val="accent1"/>
                 </a:solidFill>
               </a14:hiddenFill>
             </a:ext>
             <a:ext uri="{91240B29-F687-4f45-9708-019B960494DF}">
-              <a14:hiddenLine xmlns:a14="http://schemas.microsoft.com/office/drawing/2010/main" w="9525">
+              <a14:hiddenLine xmlns:a14="http://schemas.microsoft.com/office/drawing/2010/main" xmlns="" w="9525">
                 <a:solidFill>
                   <a:schemeClr val="tx1"/>
                 </a:solidFill>
@@ -3868,13 +3862,6 @@
   <p:clrMapOvr>
     <a:masterClrMapping/>
   </p:clrMapOvr>
-  <p:timing>
-    <p:tnLst>
-      <p:par>
-        <p:cTn xmlns:p14="http://schemas.microsoft.com/office/powerpoint/2010/main" id="1" dur="indefinite" restart="never" nodeType="tmRoot"/>
-      </p:par>
-    </p:tnLst>
-  </p:timing>
 </p:sld>
 </file>
 
@@ -3911,10 +3898,9 @@
           <a:lstStyle/>
           <a:p>
             <a:r>
-              <a:rPr lang="en-US" dirty="0" smtClean="0"/>
+              <a:rPr lang="en-US" dirty="0"/>
               <a:t>Get the data</a:t>
             </a:r>
-            <a:endParaRPr lang="en-US" dirty="0"/>
           </a:p>
         </p:txBody>
       </p:sp>
@@ -3934,16 +3920,15 @@
           <a:lstStyle/>
           <a:p>
             <a:r>
-              <a:rPr lang="en-US" dirty="0" smtClean="0"/>
+              <a:rPr lang="en-US" dirty="0"/>
               <a:t>NHANES is publically available on the CDC's site</a:t>
             </a:r>
           </a:p>
           <a:p>
             <a:r>
-              <a:rPr lang="en-US" dirty="0" smtClean="0"/>
+              <a:rPr lang="en-US" dirty="0"/>
               <a:t>We want demographics and phthalates for 2005-2006</a:t>
             </a:r>
-            <a:endParaRPr lang="en-US" dirty="0"/>
           </a:p>
         </p:txBody>
       </p:sp>
@@ -3983,14 +3968,14 @@
           <a:effectLst/>
           <a:extLst>
             <a:ext uri="{909E8E84-426E-40dd-AFC4-6F175D3DCCD1}">
-              <a14:hiddenFill xmlns:a14="http://schemas.microsoft.com/office/drawing/2010/main">
+              <a14:hiddenFill xmlns:a14="http://schemas.microsoft.com/office/drawing/2010/main" xmlns="">
                 <a:solidFill>
                   <a:schemeClr val="accent1"/>
                 </a:solidFill>
               </a14:hiddenFill>
             </a:ext>
             <a:ext uri="{91240B29-F687-4f45-9708-019B960494DF}">
-              <a14:hiddenLine xmlns:a14="http://schemas.microsoft.com/office/drawing/2010/main" w="9525">
+              <a14:hiddenLine xmlns:a14="http://schemas.microsoft.com/office/drawing/2010/main" xmlns="" w="9525">
                 <a:solidFill>
                   <a:schemeClr val="tx1"/>
                 </a:solidFill>
@@ -4000,7 +3985,7 @@
               </a14:hiddenLine>
             </a:ext>
             <a:ext uri="{AF507438-7753-43e0-B8FC-AC1667EBCBE1}">
-              <a14:hiddenEffects xmlns:a14="http://schemas.microsoft.com/office/drawing/2010/main">
+              <a14:hiddenEffects xmlns:a14="http://schemas.microsoft.com/office/drawing/2010/main" xmlns="">
                 <a:effectLst>
                   <a:outerShdw dist="35921" dir="2700000" algn="ctr" rotWithShape="0">
                     <a:schemeClr val="bg2"/>
@@ -4044,13 +4029,6 @@
   <p:clrMapOvr>
     <a:masterClrMapping/>
   </p:clrMapOvr>
-  <p:timing>
-    <p:tnLst>
-      <p:par>
-        <p:cTn xmlns:p14="http://schemas.microsoft.com/office/powerpoint/2010/main" id="1" dur="indefinite" restart="never" nodeType="tmRoot"/>
-      </p:par>
-    </p:tnLst>
-  </p:timing>
 </p:sld>
 </file>
 
@@ -4087,10 +4065,9 @@
           <a:lstStyle/>
           <a:p>
             <a:r>
-              <a:rPr lang="en-US" dirty="0" smtClean="0"/>
+              <a:rPr lang="en-US" dirty="0"/>
               <a:t>Get the data into R</a:t>
             </a:r>
-            <a:endParaRPr lang="en-US" dirty="0"/>
           </a:p>
         </p:txBody>
       </p:sp>
@@ -4110,15 +4087,15 @@
           <a:lstStyle/>
           <a:p>
             <a:r>
-              <a:rPr lang="en-US" dirty="0" smtClean="0"/>
+              <a:rPr lang="en-US" dirty="0"/>
               <a:t>The data come as a </a:t>
             </a:r>
             <a:r>
-              <a:rPr lang="en-US" dirty="0" err="1" smtClean="0"/>
+              <a:rPr lang="en-US" dirty="0" err="1"/>
               <a:t>xport</a:t>
             </a:r>
             <a:r>
-              <a:rPr lang="en-US" dirty="0" smtClean="0"/>
+              <a:rPr lang="en-US" dirty="0"/>
               <a:t> file, so we'll need an external package to load them:</a:t>
             </a:r>
           </a:p>
@@ -4266,13 +4243,6 @@
   <p:clrMapOvr>
     <a:masterClrMapping/>
   </p:clrMapOvr>
-  <p:timing>
-    <p:tnLst>
-      <p:par>
-        <p:cTn xmlns:p14="http://schemas.microsoft.com/office/powerpoint/2010/main" id="1" dur="indefinite" restart="never" nodeType="tmRoot"/>
-      </p:par>
-    </p:tnLst>
-  </p:timing>
 </p:sld>
 </file>
 
@@ -4309,10 +4279,9 @@
           <a:lstStyle/>
           <a:p>
             <a:r>
-              <a:rPr lang="en-US" dirty="0" smtClean="0"/>
+              <a:rPr lang="en-US" dirty="0"/>
               <a:t>Merging data</a:t>
             </a:r>
-            <a:endParaRPr lang="en-US" dirty="0"/>
           </a:p>
         </p:txBody>
       </p:sp>
@@ -4334,14 +4303,14 @@
           <a:lstStyle/>
           <a:p>
             <a:r>
-              <a:rPr lang="en-US" dirty="0" smtClean="0"/>
+              <a:rPr lang="en-US" dirty="0"/>
               <a:t>We haven't talked about merging in this workshop yet.</a:t>
             </a:r>
           </a:p>
           <a:p>
             <a:pPr lvl="1"/>
             <a:r>
-              <a:rPr lang="en-US" dirty="0" smtClean="0"/>
+              <a:rPr lang="en-US" dirty="0"/>
               <a:t>Google "R merge data frame"</a:t>
             </a:r>
           </a:p>
@@ -4350,7 +4319,7 @@
           </a:p>
           <a:p>
             <a:r>
-              <a:rPr lang="en-US" dirty="0" smtClean="0"/>
+              <a:rPr lang="en-US" dirty="0"/>
               <a:t>Looks like merge() should work:</a:t>
             </a:r>
           </a:p>
@@ -4358,7 +4327,7 @@
             <a:pPr marL="0" indent="0">
               <a:buNone/>
             </a:pPr>
-            <a:endParaRPr lang="en-US" dirty="0" smtClean="0"/>
+            <a:endParaRPr lang="en-US" dirty="0"/>
           </a:p>
           <a:p>
             <a:pPr marL="0" indent="0">
@@ -4414,13 +4383,6 @@
   <p:clrMapOvr>
     <a:masterClrMapping/>
   </p:clrMapOvr>
-  <p:timing>
-    <p:tnLst>
-      <p:par>
-        <p:cTn xmlns:p14="http://schemas.microsoft.com/office/powerpoint/2010/main" id="1" dur="indefinite" restart="never" nodeType="tmRoot"/>
-      </p:par>
-    </p:tnLst>
-  </p:timing>
 </p:sld>
 </file>
 
@@ -4457,10 +4419,9 @@
           <a:lstStyle/>
           <a:p>
             <a:r>
-              <a:rPr lang="en-US" dirty="0" smtClean="0"/>
+              <a:rPr lang="en-US" dirty="0"/>
               <a:t>Filtering to women 15-45</a:t>
             </a:r>
-            <a:endParaRPr lang="en-US" dirty="0"/>
           </a:p>
         </p:txBody>
       </p:sp>
@@ -4480,7 +4441,7 @@
           <a:lstStyle/>
           <a:p>
             <a:r>
-              <a:rPr lang="en-US" dirty="0" smtClean="0"/>
+              <a:rPr lang="en-US" dirty="0"/>
               <a:t>Q: Remember how to do this?</a:t>
             </a:r>
           </a:p>
@@ -4555,10 +4516,6 @@
               </a:rPr>
               <a:t> &gt;= 15*12 &amp; </a:t>
             </a:r>
-            <a:endParaRPr lang="en-US" sz="1600" dirty="0" smtClean="0">
-              <a:latin typeface="Courier New" panose="02070309020205020404" pitchFamily="49" charset="0"/>
-              <a:cs typeface="Courier New" panose="02070309020205020404" pitchFamily="49" charset="0"/>
-            </a:endParaRPr>
           </a:p>
           <a:p>
             <a:pPr marL="0" indent="0">
@@ -4569,35 +4526,21 @@
                 <a:latin typeface="Courier New" panose="02070309020205020404" pitchFamily="49" charset="0"/>
                 <a:cs typeface="Courier New" panose="02070309020205020404" pitchFamily="49" charset="0"/>
               </a:rPr>
-              <a:t>	</a:t>
-            </a:r>
-            <a:r>
-              <a:rPr lang="en-US" sz="1600" dirty="0" smtClean="0">
-                <a:latin typeface="Courier New" panose="02070309020205020404" pitchFamily="49" charset="0"/>
-                <a:cs typeface="Courier New" panose="02070309020205020404" pitchFamily="49" charset="0"/>
-              </a:rPr>
-              <a:t>		</a:t>
-            </a:r>
-            <a:r>
-              <a:rPr lang="en-US" sz="1600" dirty="0" err="1" smtClean="0">
+              <a:t>			</a:t>
+            </a:r>
+            <a:r>
+              <a:rPr lang="en-US" sz="1600" dirty="0" err="1">
                 <a:latin typeface="Courier New" panose="02070309020205020404" pitchFamily="49" charset="0"/>
                 <a:cs typeface="Courier New" panose="02070309020205020404" pitchFamily="49" charset="0"/>
               </a:rPr>
               <a:t>women$RIDAGEEX</a:t>
             </a:r>
             <a:r>
-              <a:rPr lang="en-US" sz="1600" dirty="0" smtClean="0">
-                <a:latin typeface="Courier New" panose="02070309020205020404" pitchFamily="49" charset="0"/>
-                <a:cs typeface="Courier New" panose="02070309020205020404" pitchFamily="49" charset="0"/>
-              </a:rPr>
-              <a:t> </a:t>
-            </a:r>
-            <a:r>
               <a:rPr lang="en-US" sz="1600" dirty="0">
                 <a:latin typeface="Courier New" panose="02070309020205020404" pitchFamily="49" charset="0"/>
                 <a:cs typeface="Courier New" panose="02070309020205020404" pitchFamily="49" charset="0"/>
               </a:rPr>
-              <a:t>&lt;= 45*12,]</a:t>
+              <a:t> &lt;= 45*12,]</a:t>
             </a:r>
           </a:p>
           <a:p>
@@ -4618,10 +4561,6 @@
               </a:rPr>
               <a:t>(women1545)</a:t>
             </a:r>
-            <a:endParaRPr lang="en-US" sz="1600" dirty="0" smtClean="0">
-              <a:latin typeface="Courier New" panose="02070309020205020404" pitchFamily="49" charset="0"/>
-              <a:cs typeface="Courier New" panose="02070309020205020404" pitchFamily="49" charset="0"/>
-            </a:endParaRPr>
           </a:p>
         </p:txBody>
       </p:sp>
@@ -4658,13 +4597,6 @@
   <p:clrMapOvr>
     <a:masterClrMapping/>
   </p:clrMapOvr>
-  <p:timing>
-    <p:tnLst>
-      <p:par>
-        <p:cTn xmlns:p14="http://schemas.microsoft.com/office/powerpoint/2010/main" id="1" dur="indefinite" restart="never" nodeType="tmRoot"/>
-      </p:par>
-    </p:tnLst>
-  </p:timing>
 </p:sld>
 </file>
 
@@ -4701,10 +4633,9 @@
           <a:lstStyle/>
           <a:p>
             <a:r>
-              <a:rPr lang="en-US" dirty="0" smtClean="0"/>
+              <a:rPr lang="en-US" dirty="0"/>
               <a:t>Find the variables</a:t>
             </a:r>
-            <a:endParaRPr lang="en-US" dirty="0"/>
           </a:p>
         </p:txBody>
       </p:sp>
@@ -4724,10 +4655,9 @@
           <a:lstStyle/>
           <a:p>
             <a:r>
-              <a:rPr lang="en-US" dirty="0" smtClean="0"/>
+              <a:rPr lang="en-US" dirty="0"/>
               <a:t>Get the documentation file on the NHANES site</a:t>
             </a:r>
-            <a:endParaRPr lang="en-US" dirty="0"/>
           </a:p>
         </p:txBody>
       </p:sp>
@@ -4767,14 +4697,14 @@
           <a:effectLst/>
           <a:extLst>
             <a:ext uri="{909E8E84-426E-40dd-AFC4-6F175D3DCCD1}">
-              <a14:hiddenFill xmlns:a14="http://schemas.microsoft.com/office/drawing/2010/main">
+              <a14:hiddenFill xmlns:a14="http://schemas.microsoft.com/office/drawing/2010/main" xmlns="">
                 <a:solidFill>
                   <a:schemeClr val="accent1"/>
                 </a:solidFill>
               </a14:hiddenFill>
             </a:ext>
             <a:ext uri="{91240B29-F687-4f45-9708-019B960494DF}">
-              <a14:hiddenLine xmlns:a14="http://schemas.microsoft.com/office/drawing/2010/main" w="9525">
+              <a14:hiddenLine xmlns:a14="http://schemas.microsoft.com/office/drawing/2010/main" xmlns="" w="9525">
                 <a:solidFill>
                   <a:schemeClr val="tx1"/>
                 </a:solidFill>
@@ -4784,7 +4714,7 @@
               </a14:hiddenLine>
             </a:ext>
             <a:ext uri="{AF507438-7753-43e0-B8FC-AC1667EBCBE1}">
-              <a14:hiddenEffects xmlns:a14="http://schemas.microsoft.com/office/drawing/2010/main">
+              <a14:hiddenEffects xmlns:a14="http://schemas.microsoft.com/office/drawing/2010/main" xmlns="">
                 <a:effectLst>
                   <a:outerShdw dist="35921" dir="2700000" algn="ctr" rotWithShape="0">
                     <a:schemeClr val="bg2"/>
@@ -4828,13 +4758,6 @@
   <p:clrMapOvr>
     <a:masterClrMapping/>
   </p:clrMapOvr>
-  <p:timing>
-    <p:tnLst>
-      <p:par>
-        <p:cTn xmlns:p14="http://schemas.microsoft.com/office/powerpoint/2010/main" id="1" dur="indefinite" restart="never" nodeType="tmRoot"/>
-      </p:par>
-    </p:tnLst>
-  </p:timing>
 </p:sld>
 </file>
 
@@ -4871,10 +4794,9 @@
           <a:lstStyle/>
           <a:p>
             <a:r>
-              <a:rPr lang="en-US" dirty="0" smtClean="0"/>
+              <a:rPr lang="en-US" dirty="0"/>
               <a:t>Log transform variables</a:t>
             </a:r>
-            <a:endParaRPr lang="en-US" dirty="0"/>
           </a:p>
         </p:txBody>
       </p:sp>
@@ -4896,37 +4818,30 @@
           <a:lstStyle/>
           <a:p>
             <a:r>
-              <a:rPr lang="en-US" dirty="0" smtClean="0"/>
+              <a:rPr lang="en-US" dirty="0"/>
               <a:t>Using indexing by name, we can log-transform them all at once</a:t>
             </a:r>
           </a:p>
           <a:p>
-            <a:endParaRPr lang="en-US" dirty="0" smtClean="0"/>
+            <a:endParaRPr lang="en-US" dirty="0"/>
           </a:p>
           <a:p>
             <a:pPr marL="0" indent="0">
               <a:buNone/>
             </a:pPr>
             <a:r>
-              <a:rPr lang="en-US" sz="1400" dirty="0" err="1" smtClean="0">
+              <a:rPr lang="en-US" sz="1400" dirty="0" err="1">
                 <a:latin typeface="Courier New" panose="02070309020205020404" pitchFamily="49" charset="0"/>
                 <a:cs typeface="Courier New" panose="02070309020205020404" pitchFamily="49" charset="0"/>
               </a:rPr>
               <a:t>log_phthalate_column_names</a:t>
             </a:r>
             <a:r>
-              <a:rPr lang="en-US" sz="1400" dirty="0" smtClean="0">
-                <a:latin typeface="Courier New" panose="02070309020205020404" pitchFamily="49" charset="0"/>
-                <a:cs typeface="Courier New" panose="02070309020205020404" pitchFamily="49" charset="0"/>
-              </a:rPr>
-              <a:t> </a:t>
-            </a:r>
-            <a:r>
               <a:rPr lang="en-US" sz="1400" dirty="0">
                 <a:latin typeface="Courier New" panose="02070309020205020404" pitchFamily="49" charset="0"/>
                 <a:cs typeface="Courier New" panose="02070309020205020404" pitchFamily="49" charset="0"/>
               </a:rPr>
-              <a:t>&lt;- paste('Ln', </a:t>
+              <a:t> &lt;- paste('Ln', </a:t>
             </a:r>
             <a:r>
               <a:rPr lang="en-US" sz="1400" dirty="0" err="1">
@@ -5012,10 +4927,6 @@
               </a:rPr>
               <a:t>])</a:t>
             </a:r>
-            <a:endParaRPr lang="en-US" sz="1400" dirty="0" smtClean="0">
-              <a:latin typeface="Courier New" panose="02070309020205020404" pitchFamily="49" charset="0"/>
-              <a:cs typeface="Courier New" panose="02070309020205020404" pitchFamily="49" charset="0"/>
-            </a:endParaRPr>
           </a:p>
         </p:txBody>
       </p:sp>
@@ -5052,13 +4963,6 @@
   <p:clrMapOvr>
     <a:masterClrMapping/>
   </p:clrMapOvr>
-  <p:timing>
-    <p:tnLst>
-      <p:par>
-        <p:cTn xmlns:p14="http://schemas.microsoft.com/office/powerpoint/2010/main" id="1" dur="indefinite" restart="never" nodeType="tmRoot"/>
-      </p:par>
-    </p:tnLst>
-  </p:timing>
 </p:sld>
 </file>
 
@@ -5095,10 +4999,9 @@
           <a:lstStyle/>
           <a:p>
             <a:r>
-              <a:rPr lang="en-US" dirty="0" smtClean="0"/>
+              <a:rPr lang="en-US" dirty="0"/>
               <a:t>Log-transform variables</a:t>
             </a:r>
-            <a:endParaRPr lang="en-US" dirty="0"/>
           </a:p>
         </p:txBody>
       </p:sp>
@@ -5118,10 +5021,9 @@
           <a:lstStyle/>
           <a:p>
             <a:r>
-              <a:rPr lang="en-US" dirty="0" smtClean="0"/>
+              <a:rPr lang="en-US" dirty="0"/>
               <a:t>This bulk operation is elegant, but in practice, I didn’t do it that way initially.  See code for two other versions</a:t>
             </a:r>
-            <a:endParaRPr lang="en-US" dirty="0"/>
           </a:p>
         </p:txBody>
       </p:sp>
@@ -5194,10 +5096,9 @@
           <a:lstStyle/>
           <a:p>
             <a:r>
-              <a:rPr lang="en-US" dirty="0" smtClean="0"/>
+              <a:rPr lang="en-US" dirty="0"/>
               <a:t>Loops</a:t>
             </a:r>
-            <a:endParaRPr lang="en-US" dirty="0"/>
           </a:p>
         </p:txBody>
       </p:sp>
@@ -5219,7 +5120,7 @@
           <a:lstStyle/>
           <a:p>
             <a:r>
-              <a:rPr lang="en-US" sz="2800" dirty="0" smtClean="0"/>
+              <a:rPr lang="en-US" sz="2800" dirty="0"/>
               <a:t>There are several ways to loop in R, but the most common is using for:</a:t>
             </a:r>
           </a:p>
@@ -5231,21 +5132,21 @@
               <a:buNone/>
             </a:pPr>
             <a:r>
-              <a:rPr lang="en-US" sz="2000" dirty="0" smtClean="0">
+              <a:rPr lang="en-US" sz="2000" dirty="0">
                 <a:latin typeface="Courier New" pitchFamily="49" charset="0"/>
                 <a:cs typeface="Courier New" pitchFamily="49" charset="0"/>
               </a:rPr>
               <a:t>for (i in </a:t>
             </a:r>
             <a:r>
-              <a:rPr lang="en-US" sz="2000" i="1" dirty="0" err="1" smtClean="0">
+              <a:rPr lang="en-US" sz="2000" i="1" dirty="0" err="1">
                 <a:latin typeface="Courier New" pitchFamily="49" charset="0"/>
                 <a:cs typeface="Courier New" pitchFamily="49" charset="0"/>
               </a:rPr>
               <a:t>somevector</a:t>
             </a:r>
             <a:r>
-              <a:rPr lang="en-US" sz="2000" dirty="0" smtClean="0">
+              <a:rPr lang="en-US" sz="2000" dirty="0">
                 <a:latin typeface="Courier New" pitchFamily="49" charset="0"/>
                 <a:cs typeface="Courier New" pitchFamily="49" charset="0"/>
               </a:rPr>
@@ -5257,7 +5158,7 @@
               <a:buNone/>
             </a:pPr>
             <a:r>
-              <a:rPr lang="en-US" sz="2000" dirty="0" smtClean="0">
+              <a:rPr lang="en-US" sz="2000" dirty="0">
                 <a:latin typeface="Courier New" pitchFamily="49" charset="0"/>
                 <a:cs typeface="Courier New" pitchFamily="49" charset="0"/>
               </a:rPr>
@@ -5269,7 +5170,7 @@
               <a:buNone/>
             </a:pPr>
             <a:r>
-              <a:rPr lang="en-US" sz="2000" dirty="0" smtClean="0">
+              <a:rPr lang="en-US" sz="2000" dirty="0">
                 <a:latin typeface="Courier New" pitchFamily="49" charset="0"/>
                 <a:cs typeface="Courier New" pitchFamily="49" charset="0"/>
               </a:rPr>
@@ -5287,7 +5188,7 @@
           </a:p>
           <a:p>
             <a:r>
-              <a:rPr lang="en-US" sz="2800" dirty="0" smtClean="0">
+              <a:rPr lang="en-US" sz="2800" dirty="0">
                 <a:cs typeface="Courier New" pitchFamily="49" charset="0"/>
               </a:rPr>
               <a:t>Sometimes it's easier to use the positional index, in which case the code takes this form:</a:t>
@@ -5311,35 +5212,21 @@
                 <a:latin typeface="Courier New" pitchFamily="49" charset="0"/>
                 <a:cs typeface="Courier New" pitchFamily="49" charset="0"/>
               </a:rPr>
-              <a:t>for (i in </a:t>
-            </a:r>
-            <a:r>
-              <a:rPr lang="en-US" sz="2000" dirty="0" smtClean="0">
-                <a:latin typeface="Courier New" pitchFamily="49" charset="0"/>
-                <a:cs typeface="Courier New" pitchFamily="49" charset="0"/>
-              </a:rPr>
-              <a:t>1:length(</a:t>
-            </a:r>
-            <a:r>
-              <a:rPr lang="en-US" sz="2000" i="1" dirty="0" err="1" smtClean="0">
+              <a:t>for (i in 1:length(</a:t>
+            </a:r>
+            <a:r>
+              <a:rPr lang="en-US" sz="2000" i="1" dirty="0" err="1">
                 <a:latin typeface="Courier New" pitchFamily="49" charset="0"/>
                 <a:cs typeface="Courier New" pitchFamily="49" charset="0"/>
               </a:rPr>
               <a:t>somevector</a:t>
             </a:r>
             <a:r>
-              <a:rPr lang="en-US" sz="2000" dirty="0" smtClean="0">
-                <a:latin typeface="Courier New" pitchFamily="49" charset="0"/>
-                <a:cs typeface="Courier New" pitchFamily="49" charset="0"/>
-              </a:rPr>
-              <a:t>)) </a:t>
-            </a:r>
-            <a:r>
               <a:rPr lang="en-US" sz="2000" dirty="0">
                 <a:latin typeface="Courier New" pitchFamily="49" charset="0"/>
                 <a:cs typeface="Courier New" pitchFamily="49" charset="0"/>
               </a:rPr>
-              <a:t>{</a:t>
+              <a:t>)) {</a:t>
             </a:r>
           </a:p>
           <a:p>
@@ -5354,23 +5241,19 @@
               <a:t>  #do something with </a:t>
             </a:r>
             <a:r>
-              <a:rPr lang="en-US" sz="2000" i="1" dirty="0" err="1" smtClean="0">
+              <a:rPr lang="en-US" sz="2000" i="1" dirty="0" err="1">
                 <a:latin typeface="Courier New" pitchFamily="49" charset="0"/>
                 <a:cs typeface="Courier New" pitchFamily="49" charset="0"/>
               </a:rPr>
               <a:t>somevector</a:t>
             </a:r>
             <a:r>
-              <a:rPr lang="en-US" sz="2000" dirty="0" smtClean="0">
+              <a:rPr lang="en-US" sz="2000" dirty="0">
                 <a:latin typeface="Courier New" pitchFamily="49" charset="0"/>
                 <a:cs typeface="Courier New" pitchFamily="49" charset="0"/>
               </a:rPr>
               <a:t>[i]</a:t>
             </a:r>
-            <a:endParaRPr lang="en-US" sz="2000" dirty="0">
-              <a:latin typeface="Courier New" pitchFamily="49" charset="0"/>
-              <a:cs typeface="Courier New" pitchFamily="49" charset="0"/>
-            </a:endParaRPr>
           </a:p>
           <a:p>
             <a:pPr marL="0" indent="0">
@@ -5388,7 +5271,7 @@
             <a:pPr marL="0" indent="0">
               <a:buNone/>
             </a:pPr>
-            <a:endParaRPr lang="en-US" sz="2000" dirty="0" smtClean="0">
+            <a:endParaRPr lang="en-US" sz="2000" dirty="0">
               <a:latin typeface="Courier New" pitchFamily="49" charset="0"/>
               <a:cs typeface="Courier New" pitchFamily="49" charset="0"/>
             </a:endParaRPr>
@@ -5428,13 +5311,6 @@
   <p:clrMapOvr>
     <a:masterClrMapping/>
   </p:clrMapOvr>
-  <p:timing>
-    <p:tnLst>
-      <p:par>
-        <p:cTn xmlns:p14="http://schemas.microsoft.com/office/powerpoint/2010/main" id="1" dur="indefinite" restart="never" nodeType="tmRoot"/>
-      </p:par>
-    </p:tnLst>
-  </p:timing>
 </p:sld>
 </file>
 
@@ -5471,10 +5347,9 @@
           <a:lstStyle/>
           <a:p>
             <a:r>
-              <a:rPr lang="en-US" dirty="0" smtClean="0"/>
+              <a:rPr lang="en-US" dirty="0"/>
               <a:t>Loops vs. alternatives</a:t>
             </a:r>
-            <a:endParaRPr lang="en-US" dirty="0"/>
           </a:p>
         </p:txBody>
       </p:sp>
@@ -5496,22 +5371,22 @@
           <a:lstStyle/>
           <a:p>
             <a:r>
-              <a:rPr lang="en-US" dirty="0" smtClean="0"/>
+              <a:rPr lang="en-US" dirty="0"/>
               <a:t>Computer scientists love </a:t>
             </a:r>
             <a:r>
-              <a:rPr lang="en-US" dirty="0" err="1" smtClean="0"/>
+              <a:rPr lang="en-US" dirty="0" err="1"/>
               <a:t>vectorized</a:t>
             </a:r>
             <a:r>
-              <a:rPr lang="en-US" dirty="0" smtClean="0"/>
+              <a:rPr lang="en-US" dirty="0"/>
               <a:t> operations, higher-order functions (e.g. apply), etc.</a:t>
             </a:r>
           </a:p>
           <a:p>
             <a:pPr lvl="1"/>
             <a:r>
-              <a:rPr lang="en-US" sz="2200" dirty="0" smtClean="0"/>
+              <a:rPr lang="en-US" sz="2200" dirty="0"/>
               <a:t>They are elegant (I think) and allow for writing compact code</a:t>
             </a:r>
           </a:p>
@@ -5521,7 +5396,7 @@
           </a:p>
           <a:p>
             <a:r>
-              <a:rPr lang="en-US" dirty="0" smtClean="0"/>
+              <a:rPr lang="en-US" dirty="0"/>
               <a:t>But many computer programmers find looping to be the natural way to think about repeated operations</a:t>
             </a:r>
           </a:p>
@@ -5530,10 +5405,9 @@
           </a:p>
           <a:p>
             <a:r>
-              <a:rPr lang="en-US" dirty="0" smtClean="0"/>
+              <a:rPr lang="en-US" dirty="0"/>
               <a:t>It's usually a wash in terms of performance in R (and elsewhere)</a:t>
             </a:r>
-            <a:endParaRPr lang="en-US" dirty="0"/>
           </a:p>
         </p:txBody>
       </p:sp>
@@ -5570,13 +5444,6 @@
   <p:clrMapOvr>
     <a:masterClrMapping/>
   </p:clrMapOvr>
-  <p:timing>
-    <p:tnLst>
-      <p:par>
-        <p:cTn xmlns:p14="http://schemas.microsoft.com/office/powerpoint/2010/main" id="1" dur="indefinite" restart="never" nodeType="tmRoot"/>
-      </p:par>
-    </p:tnLst>
-  </p:timing>
 </p:sld>
 </file>
 
@@ -5613,42 +5480,40 @@
           <a:lstStyle/>
           <a:p>
             <a:r>
-              <a:rPr lang="en-US" dirty="0" smtClean="0"/>
+              <a:rPr lang="en-US" dirty="0"/>
               <a:t>Doing the PCA</a:t>
             </a:r>
+          </a:p>
+        </p:txBody>
+      </p:sp>
+      <p:sp>
+        <p:nvSpPr>
+          <p:cNvPr id="3" name="Content Placeholder 2"/>
+          <p:cNvSpPr>
+            <a:spLocks noGrp="1"/>
+          </p:cNvSpPr>
+          <p:nvPr>
+            <p:ph idx="1"/>
+          </p:nvPr>
+        </p:nvSpPr>
+        <p:spPr/>
+        <p:txBody>
+          <a:bodyPr/>
+          <a:lstStyle/>
+          <a:p>
+            <a:r>
+              <a:rPr lang="en-US" dirty="0"/>
+              <a:t>Okay, so we've finally gotten the data we need – log transformed urinary phthalate levels for women aged 15-45 in 2005-2006 NHANES.</a:t>
+            </a:r>
+          </a:p>
+          <a:p>
             <a:endParaRPr lang="en-US" dirty="0"/>
           </a:p>
-        </p:txBody>
-      </p:sp>
-      <p:sp>
-        <p:nvSpPr>
-          <p:cNvPr id="3" name="Content Placeholder 2"/>
-          <p:cNvSpPr>
-            <a:spLocks noGrp="1"/>
-          </p:cNvSpPr>
-          <p:nvPr>
-            <p:ph idx="1"/>
-          </p:nvPr>
-        </p:nvSpPr>
-        <p:spPr/>
-        <p:txBody>
-          <a:bodyPr/>
-          <a:lstStyle/>
-          <a:p>
-            <a:r>
-              <a:rPr lang="en-US" dirty="0" smtClean="0"/>
-              <a:t>Okay, so we've finally gotten the data we need – log transformed urinary phthalate levels for women aged 15-45 in 2005-2006 NHANES.</a:t>
-            </a:r>
-          </a:p>
-          <a:p>
-            <a:endParaRPr lang="en-US" dirty="0"/>
-          </a:p>
-          <a:p>
-            <a:r>
-              <a:rPr lang="en-US" dirty="0" smtClean="0"/>
+          <a:p>
+            <a:r>
+              <a:rPr lang="en-US" dirty="0"/>
               <a:t>So how do we do the PCA?</a:t>
             </a:r>
-            <a:endParaRPr lang="en-US" dirty="0"/>
           </a:p>
         </p:txBody>
       </p:sp>
@@ -5685,13 +5550,6 @@
   <p:clrMapOvr>
     <a:masterClrMapping/>
   </p:clrMapOvr>
-  <p:timing>
-    <p:tnLst>
-      <p:par>
-        <p:cTn xmlns:p14="http://schemas.microsoft.com/office/powerpoint/2010/main" id="1" dur="indefinite" restart="never" nodeType="tmRoot"/>
-      </p:par>
-    </p:tnLst>
-  </p:timing>
 </p:sld>
 </file>
 
@@ -5728,10 +5586,9 @@
           <a:lstStyle/>
           <a:p>
             <a:r>
-              <a:rPr lang="en-US" dirty="0" smtClean="0"/>
+              <a:rPr lang="en-US" dirty="0"/>
               <a:t>Original Problem Statement</a:t>
             </a:r>
-            <a:endParaRPr lang="en-US" dirty="0"/>
           </a:p>
         </p:txBody>
       </p:sp>
@@ -5751,7 +5608,7 @@
           <a:lstStyle/>
           <a:p>
             <a:r>
-              <a:rPr lang="en-US" dirty="0" smtClean="0"/>
+              <a:rPr lang="en-US" dirty="0"/>
               <a:t>Hypothesis: prenatal exposure to phthalates causes obesity in children</a:t>
             </a:r>
           </a:p>
@@ -5797,14 +5654,14 @@
           <a:effectLst/>
           <a:extLst>
             <a:ext uri="{909E8E84-426E-40dd-AFC4-6F175D3DCCD1}">
-              <a14:hiddenFill xmlns:a14="http://schemas.microsoft.com/office/drawing/2010/main">
+              <a14:hiddenFill xmlns:a14="http://schemas.microsoft.com/office/drawing/2010/main" xmlns="">
                 <a:solidFill>
                   <a:schemeClr val="accent1"/>
                 </a:solidFill>
               </a14:hiddenFill>
             </a:ext>
             <a:ext uri="{91240B29-F687-4f45-9708-019B960494DF}">
-              <a14:hiddenLine xmlns:a14="http://schemas.microsoft.com/office/drawing/2010/main" w="9525">
+              <a14:hiddenLine xmlns:a14="http://schemas.microsoft.com/office/drawing/2010/main" xmlns="" w="9525">
                 <a:solidFill>
                   <a:schemeClr val="tx1"/>
                 </a:solidFill>
@@ -5814,7 +5671,7 @@
               </a14:hiddenLine>
             </a:ext>
             <a:ext uri="{AF507438-7753-43e0-B8FC-AC1667EBCBE1}">
-              <a14:hiddenEffects xmlns:a14="http://schemas.microsoft.com/office/drawing/2010/main">
+              <a14:hiddenEffects xmlns:a14="http://schemas.microsoft.com/office/drawing/2010/main" xmlns="">
                 <a:effectLst>
                   <a:outerShdw dist="35921" dir="2700000" algn="ctr" rotWithShape="0">
                     <a:schemeClr val="bg2"/>
@@ -5858,13 +5715,6 @@
   <p:clrMapOvr>
     <a:masterClrMapping/>
   </p:clrMapOvr>
-  <p:timing>
-    <p:tnLst>
-      <p:par>
-        <p:cTn xmlns:p14="http://schemas.microsoft.com/office/powerpoint/2010/main" id="1" dur="indefinite" restart="never" nodeType="tmRoot"/>
-      </p:par>
-    </p:tnLst>
-  </p:timing>
 </p:sld>
 </file>
 
@@ -5901,10 +5751,9 @@
           <a:lstStyle/>
           <a:p>
             <a:r>
-              <a:rPr lang="en-US" dirty="0" smtClean="0"/>
+              <a:rPr lang="en-US" dirty="0"/>
               <a:t>Which PCA function?</a:t>
             </a:r>
-            <a:endParaRPr lang="en-US" dirty="0"/>
           </a:p>
         </p:txBody>
       </p:sp>
@@ -5924,7 +5773,7 @@
           <a:lstStyle/>
           <a:p>
             <a:r>
-              <a:rPr lang="en-US" dirty="0" smtClean="0"/>
+              <a:rPr lang="en-US" dirty="0"/>
               <a:t>Let's pick from among the PCA packages:</a:t>
             </a:r>
           </a:p>
@@ -5933,25 +5782,18 @@
               <a:rPr lang="en-US" dirty="0">
                 <a:hlinkClick r:id="rId2"/>
               </a:rPr>
-              <a:t>http://</a:t>
-            </a:r>
-            <a:r>
-              <a:rPr lang="en-US" dirty="0" smtClean="0">
-                <a:hlinkClick r:id="rId2"/>
-              </a:rPr>
-              <a:t>gastonsanchez.com/blog/how-to/2012/06/17/PCA-in-R.html</a:t>
-            </a:r>
-            <a:endParaRPr lang="en-US" dirty="0" smtClean="0"/>
-          </a:p>
-          <a:p>
+              <a:t>http://gastonsanchez.com/blog/how-to/2012/06/17/PCA-in-R.html</a:t>
+            </a:r>
             <a:endParaRPr lang="en-US" dirty="0"/>
           </a:p>
           <a:p>
-            <a:r>
-              <a:rPr lang="en-US" dirty="0" smtClean="0"/>
+            <a:endParaRPr lang="en-US" dirty="0"/>
+          </a:p>
+          <a:p>
+            <a:r>
+              <a:rPr lang="en-US" dirty="0"/>
               <a:t>(Which I found by searching for 'PCA in R')</a:t>
             </a:r>
-            <a:endParaRPr lang="en-US" dirty="0"/>
           </a:p>
         </p:txBody>
       </p:sp>
@@ -5988,13 +5830,6 @@
   <p:clrMapOvr>
     <a:masterClrMapping/>
   </p:clrMapOvr>
-  <p:timing>
-    <p:tnLst>
-      <p:par>
-        <p:cTn xmlns:p14="http://schemas.microsoft.com/office/powerpoint/2010/main" id="1" dur="indefinite" restart="never" nodeType="tmRoot"/>
-      </p:par>
-    </p:tnLst>
-  </p:timing>
 </p:sld>
 </file>
 
@@ -6031,95 +5866,89 @@
           <a:lstStyle/>
           <a:p>
             <a:r>
-              <a:rPr lang="en-US" dirty="0" smtClean="0"/>
+              <a:rPr lang="en-US" dirty="0"/>
               <a:t>So, some options</a:t>
             </a:r>
+          </a:p>
+        </p:txBody>
+      </p:sp>
+      <p:sp>
+        <p:nvSpPr>
+          <p:cNvPr id="3" name="Content Placeholder 2"/>
+          <p:cNvSpPr>
+            <a:spLocks noGrp="1"/>
+          </p:cNvSpPr>
+          <p:nvPr>
+            <p:ph idx="1"/>
+          </p:nvPr>
+        </p:nvSpPr>
+        <p:spPr/>
+        <p:txBody>
+          <a:bodyPr/>
+          <a:lstStyle/>
+          <a:p>
+            <a:r>
+              <a:rPr lang="en-US" dirty="0"/>
+              <a:t>stats::</a:t>
+            </a:r>
+            <a:r>
+              <a:rPr lang="en-US" dirty="0" err="1"/>
+              <a:t>prcomp</a:t>
+            </a:r>
             <a:endParaRPr lang="en-US" dirty="0"/>
           </a:p>
-        </p:txBody>
-      </p:sp>
-      <p:sp>
-        <p:nvSpPr>
-          <p:cNvPr id="3" name="Content Placeholder 2"/>
-          <p:cNvSpPr>
-            <a:spLocks noGrp="1"/>
-          </p:cNvSpPr>
-          <p:nvPr>
-            <p:ph idx="1"/>
-          </p:nvPr>
-        </p:nvSpPr>
-        <p:spPr/>
-        <p:txBody>
-          <a:bodyPr/>
-          <a:lstStyle/>
-          <a:p>
-            <a:r>
-              <a:rPr lang="en-US" dirty="0" smtClean="0"/>
+          <a:p>
+            <a:r>
+              <a:rPr lang="en-US" dirty="0"/>
               <a:t>stats::</a:t>
             </a:r>
             <a:r>
-              <a:rPr lang="en-US" dirty="0" err="1" smtClean="0"/>
-              <a:t>prcomp</a:t>
-            </a:r>
-            <a:endParaRPr lang="en-US" dirty="0" smtClean="0"/>
-          </a:p>
-          <a:p>
-            <a:r>
-              <a:rPr lang="en-US" dirty="0"/>
-              <a:t>stats</a:t>
-            </a:r>
-            <a:r>
-              <a:rPr lang="en-US" dirty="0" smtClean="0"/>
+              <a:rPr lang="en-US" dirty="0" err="1"/>
+              <a:t>princomp</a:t>
+            </a:r>
+            <a:endParaRPr lang="en-US" dirty="0"/>
+          </a:p>
+          <a:p>
+            <a:r>
+              <a:rPr lang="en-US" dirty="0" err="1"/>
+              <a:t>FactoMineR</a:t>
+            </a:r>
+            <a:r>
+              <a:rPr lang="en-US" dirty="0"/>
+              <a:t>::PCA </a:t>
+            </a:r>
+          </a:p>
+          <a:p>
+            <a:r>
+              <a:rPr lang="en-US" dirty="0"/>
+              <a:t>ade4::</a:t>
+            </a:r>
+            <a:r>
+              <a:rPr lang="en-US" dirty="0" err="1"/>
+              <a:t>dudi.pca</a:t>
+            </a:r>
+            <a:endParaRPr lang="en-US" dirty="0"/>
+          </a:p>
+          <a:p>
+            <a:r>
+              <a:rPr lang="en-US" dirty="0" err="1"/>
+              <a:t>amap</a:t>
+            </a:r>
+            <a:r>
+              <a:rPr lang="en-US" dirty="0"/>
               <a:t>::</a:t>
             </a:r>
             <a:r>
-              <a:rPr lang="en-US" dirty="0" err="1" smtClean="0"/>
-              <a:t>princomp</a:t>
-            </a:r>
-            <a:endParaRPr lang="en-US" dirty="0" smtClean="0"/>
-          </a:p>
-          <a:p>
-            <a:r>
-              <a:rPr lang="en-US" dirty="0" err="1" smtClean="0"/>
-              <a:t>FactoMineR</a:t>
-            </a:r>
-            <a:r>
-              <a:rPr lang="en-US" dirty="0" smtClean="0"/>
-              <a:t>::PCA </a:t>
-            </a:r>
-          </a:p>
-          <a:p>
-            <a:r>
-              <a:rPr lang="en-US" dirty="0" smtClean="0"/>
-              <a:t>ade4::</a:t>
-            </a:r>
-            <a:r>
-              <a:rPr lang="en-US" dirty="0" err="1" smtClean="0"/>
-              <a:t>dudi.pca</a:t>
-            </a:r>
-            <a:endParaRPr lang="en-US" dirty="0" smtClean="0"/>
-          </a:p>
-          <a:p>
-            <a:r>
-              <a:rPr lang="en-US" dirty="0" err="1" smtClean="0"/>
-              <a:t>amap</a:t>
-            </a:r>
-            <a:r>
-              <a:rPr lang="en-US" dirty="0" smtClean="0"/>
-              <a:t>::</a:t>
-            </a:r>
-            <a:r>
-              <a:rPr lang="en-US" dirty="0" err="1" smtClean="0"/>
+              <a:rPr lang="en-US" dirty="0" err="1"/>
               <a:t>acp</a:t>
             </a:r>
-            <a:endParaRPr lang="en-US" dirty="0" smtClean="0"/>
-          </a:p>
-          <a:p>
-            <a:r>
-              <a:rPr lang="en-US" dirty="0" smtClean="0"/>
+            <a:endParaRPr lang="en-US" dirty="0"/>
+          </a:p>
+          <a:p>
+            <a:r>
+              <a:rPr lang="en-US" dirty="0"/>
               <a:t>Also… psych::principal, probably others</a:t>
             </a:r>
-            <a:endParaRPr lang="en-US" dirty="0"/>
           </a:p>
         </p:txBody>
       </p:sp>
@@ -6192,7 +6021,7 @@
           <a:lstStyle/>
           <a:p>
             <a:r>
-              <a:rPr lang="en-US" dirty="0" err="1" smtClean="0"/>
+              <a:rPr lang="en-US" dirty="0" err="1"/>
               <a:t>FactoMineR</a:t>
             </a:r>
             <a:endParaRPr lang="en-US" dirty="0"/>
@@ -6215,31 +6044,31 @@
           <a:lstStyle/>
           <a:p>
             <a:r>
-              <a:rPr lang="en-US" dirty="0" err="1" smtClean="0"/>
+              <a:rPr lang="en-US" dirty="0" err="1"/>
               <a:t>FactoMineR's</a:t>
             </a:r>
             <a:r>
-              <a:rPr lang="en-US" dirty="0" smtClean="0"/>
+              <a:rPr lang="en-US" dirty="0"/>
               <a:t> PCA comes recommended</a:t>
             </a:r>
           </a:p>
           <a:p>
             <a:r>
-              <a:rPr lang="en-US" dirty="0" smtClean="0"/>
+              <a:rPr lang="en-US" dirty="0"/>
               <a:t>And </a:t>
             </a:r>
             <a:r>
-              <a:rPr lang="en-US" dirty="0" err="1" smtClean="0"/>
+              <a:rPr lang="en-US" dirty="0" err="1"/>
               <a:t>FactoMineR's</a:t>
             </a:r>
             <a:r>
-              <a:rPr lang="en-US" dirty="0" smtClean="0"/>
+              <a:rPr lang="en-US" dirty="0"/>
               <a:t> PCA allows for row weights, which is desirable since this is weighted data…</a:t>
             </a:r>
           </a:p>
           <a:p>
             <a:r>
-              <a:rPr lang="en-US" dirty="0" smtClean="0"/>
+              <a:rPr lang="en-US" dirty="0"/>
               <a:t>… so let's try it</a:t>
             </a:r>
           </a:p>
@@ -6281,13 +6110,6 @@
   <p:clrMapOvr>
     <a:masterClrMapping/>
   </p:clrMapOvr>
-  <p:timing>
-    <p:tnLst>
-      <p:par>
-        <p:cTn xmlns:p14="http://schemas.microsoft.com/office/powerpoint/2010/main" id="1" dur="indefinite" restart="never" nodeType="tmRoot"/>
-      </p:par>
-    </p:tnLst>
-  </p:timing>
 </p:sld>
 </file>
 
@@ -6324,11 +6146,11 @@
           <a:lstStyle/>
           <a:p>
             <a:r>
-              <a:rPr lang="en-US" dirty="0" smtClean="0"/>
+              <a:rPr lang="en-US" dirty="0"/>
               <a:t>Using </a:t>
             </a:r>
             <a:r>
-              <a:rPr lang="en-US" dirty="0" err="1" smtClean="0"/>
+              <a:rPr lang="en-US" dirty="0" err="1"/>
               <a:t>FactoMineR</a:t>
             </a:r>
             <a:endParaRPr lang="en-US" dirty="0"/>
@@ -6353,18 +6175,9 @@
           <a:lstStyle/>
           <a:p>
             <a:r>
-              <a:rPr lang="en-US" dirty="0" smtClean="0"/>
+              <a:rPr lang="en-US" dirty="0"/>
               <a:t>Read the documentation and fiddled a little eventually setting on the following code:</a:t>
             </a:r>
-          </a:p>
-          <a:p>
-            <a:pPr marL="0" indent="0">
-              <a:buNone/>
-            </a:pPr>
-            <a:endParaRPr lang="en-US" sz="1400" dirty="0" smtClean="0">
-              <a:latin typeface="Courier New" panose="02070309020205020404" pitchFamily="49" charset="0"/>
-              <a:cs typeface="Courier New" panose="02070309020205020404" pitchFamily="49" charset="0"/>
-            </a:endParaRPr>
           </a:p>
           <a:p>
             <a:pPr marL="0" indent="0">
@@ -6379,15 +6192,24 @@
             <a:pPr marL="0" indent="0">
               <a:buNone/>
             </a:pPr>
-            <a:r>
-              <a:rPr lang="en-US" sz="1400" dirty="0" smtClean="0">
+            <a:endParaRPr lang="en-US" sz="1400" dirty="0">
+              <a:latin typeface="Courier New" panose="02070309020205020404" pitchFamily="49" charset="0"/>
+              <a:cs typeface="Courier New" panose="02070309020205020404" pitchFamily="49" charset="0"/>
+            </a:endParaRPr>
+          </a:p>
+          <a:p>
+            <a:pPr marL="0" indent="0">
+              <a:buNone/>
+            </a:pPr>
+            <a:r>
+              <a:rPr lang="en-US" sz="1400" dirty="0">
                 <a:latin typeface="Courier New" panose="02070309020205020404" pitchFamily="49" charset="0"/>
                 <a:cs typeface="Courier New" panose="02070309020205020404" pitchFamily="49" charset="0"/>
               </a:rPr>
               <a:t>library(</a:t>
             </a:r>
             <a:r>
-              <a:rPr lang="en-US" sz="1400" dirty="0" err="1" smtClean="0">
+              <a:rPr lang="en-US" sz="1400" dirty="0" err="1">
                 <a:latin typeface="Courier New" panose="02070309020205020404" pitchFamily="49" charset="0"/>
                 <a:cs typeface="Courier New" panose="02070309020205020404" pitchFamily="49" charset="0"/>
               </a:rPr>
@@ -6561,13 +6383,6 @@
   <p:clrMapOvr>
     <a:masterClrMapping/>
   </p:clrMapOvr>
-  <p:timing>
-    <p:tnLst>
-      <p:par>
-        <p:cTn xmlns:p14="http://schemas.microsoft.com/office/powerpoint/2010/main" id="1" dur="indefinite" restart="never" nodeType="tmRoot"/>
-      </p:par>
-    </p:tnLst>
-  </p:timing>
 </p:sld>
 </file>
 
@@ -6606,10 +6421,9 @@
           <a:lstStyle/>
           <a:p>
             <a:r>
-              <a:rPr lang="en-US" dirty="0" smtClean="0"/>
+              <a:rPr lang="en-US" dirty="0"/>
               <a:t>So, how does NHANES compare to CCCEH?</a:t>
             </a:r>
-            <a:endParaRPr lang="en-US" dirty="0"/>
           </a:p>
         </p:txBody>
       </p:sp>
@@ -6649,14 +6463,14 @@
           <a:effectLst/>
           <a:extLst>
             <a:ext uri="{909E8E84-426E-40dd-AFC4-6F175D3DCCD1}">
-              <a14:hiddenFill xmlns:a14="http://schemas.microsoft.com/office/drawing/2010/main">
+              <a14:hiddenFill xmlns:a14="http://schemas.microsoft.com/office/drawing/2010/main" xmlns="">
                 <a:solidFill>
                   <a:schemeClr val="accent1"/>
                 </a:solidFill>
               </a14:hiddenFill>
             </a:ext>
             <a:ext uri="{91240B29-F687-4f45-9708-019B960494DF}">
-              <a14:hiddenLine xmlns:a14="http://schemas.microsoft.com/office/drawing/2010/main" w="9525">
+              <a14:hiddenLine xmlns:a14="http://schemas.microsoft.com/office/drawing/2010/main" xmlns="" w="9525">
                 <a:solidFill>
                   <a:schemeClr val="tx1"/>
                 </a:solidFill>
@@ -6666,7 +6480,7 @@
               </a14:hiddenLine>
             </a:ext>
             <a:ext uri="{AF507438-7753-43e0-B8FC-AC1667EBCBE1}">
-              <a14:hiddenEffects xmlns:a14="http://schemas.microsoft.com/office/drawing/2010/main">
+              <a14:hiddenEffects xmlns:a14="http://schemas.microsoft.com/office/drawing/2010/main" xmlns="">
                 <a:effectLst>
                   <a:outerShdw dist="35921" dir="2700000" algn="ctr" rotWithShape="0">
                     <a:schemeClr val="bg2"/>
@@ -6713,14 +6527,14 @@
           <a:effectLst/>
           <a:extLst>
             <a:ext uri="{909E8E84-426E-40dd-AFC4-6F175D3DCCD1}">
-              <a14:hiddenFill xmlns:a14="http://schemas.microsoft.com/office/drawing/2010/main">
+              <a14:hiddenFill xmlns:a14="http://schemas.microsoft.com/office/drawing/2010/main" xmlns="">
                 <a:solidFill>
                   <a:schemeClr val="accent1"/>
                 </a:solidFill>
               </a14:hiddenFill>
             </a:ext>
             <a:ext uri="{91240B29-F687-4f45-9708-019B960494DF}">
-              <a14:hiddenLine xmlns:a14="http://schemas.microsoft.com/office/drawing/2010/main" w="9525">
+              <a14:hiddenLine xmlns:a14="http://schemas.microsoft.com/office/drawing/2010/main" xmlns="" w="9525">
                 <a:solidFill>
                   <a:schemeClr val="tx1"/>
                 </a:solidFill>
@@ -6730,7 +6544,7 @@
               </a14:hiddenLine>
             </a:ext>
             <a:ext uri="{AF507438-7753-43e0-B8FC-AC1667EBCBE1}">
-              <a14:hiddenEffects xmlns:a14="http://schemas.microsoft.com/office/drawing/2010/main">
+              <a14:hiddenEffects xmlns:a14="http://schemas.microsoft.com/office/drawing/2010/main" xmlns="">
                 <a:effectLst>
                   <a:outerShdw dist="35921" dir="2700000" algn="ctr" rotWithShape="0">
                     <a:schemeClr val="bg2"/>
@@ -6764,10 +6578,9 @@
           <a:lstStyle/>
           <a:p>
             <a:r>
-              <a:rPr lang="en-US" dirty="0" smtClean="0"/>
+              <a:rPr lang="en-US" dirty="0"/>
               <a:t>CCCEH</a:t>
             </a:r>
-            <a:endParaRPr lang="en-US" dirty="0"/>
           </a:p>
         </p:txBody>
       </p:sp>
@@ -6794,10 +6607,9 @@
           <a:lstStyle/>
           <a:p>
             <a:r>
-              <a:rPr lang="en-US" dirty="0" smtClean="0"/>
+              <a:rPr lang="en-US" dirty="0"/>
               <a:t>NHANES</a:t>
             </a:r>
-            <a:endParaRPr lang="en-US" dirty="0"/>
           </a:p>
         </p:txBody>
       </p:sp>
@@ -6834,13 +6646,6 @@
   <p:clrMapOvr>
     <a:masterClrMapping/>
   </p:clrMapOvr>
-  <p:timing>
-    <p:tnLst>
-      <p:par>
-        <p:cTn xmlns:p14="http://schemas.microsoft.com/office/powerpoint/2010/main" id="1" dur="indefinite" restart="never" nodeType="tmRoot"/>
-      </p:par>
-    </p:tnLst>
-  </p:timing>
 </p:sld>
 </file>
 
@@ -6877,10 +6682,9 @@
           <a:lstStyle/>
           <a:p>
             <a:r>
-              <a:rPr lang="en-US" dirty="0" smtClean="0"/>
+              <a:rPr lang="en-US" dirty="0"/>
               <a:t>PCA: CCCEH vs. NHANES</a:t>
             </a:r>
-            <a:endParaRPr lang="en-US" dirty="0"/>
           </a:p>
         </p:txBody>
       </p:sp>
@@ -6920,14 +6724,14 @@
           <a:effectLst/>
           <a:extLst>
             <a:ext uri="{909E8E84-426E-40dd-AFC4-6F175D3DCCD1}">
-              <a14:hiddenFill xmlns:a14="http://schemas.microsoft.com/office/drawing/2010/main">
+              <a14:hiddenFill xmlns:a14="http://schemas.microsoft.com/office/drawing/2010/main" xmlns="">
                 <a:solidFill>
                   <a:schemeClr val="accent1"/>
                 </a:solidFill>
               </a14:hiddenFill>
             </a:ext>
             <a:ext uri="{91240B29-F687-4f45-9708-019B960494DF}">
-              <a14:hiddenLine xmlns:a14="http://schemas.microsoft.com/office/drawing/2010/main" w="9525">
+              <a14:hiddenLine xmlns:a14="http://schemas.microsoft.com/office/drawing/2010/main" xmlns="" w="9525">
                 <a:solidFill>
                   <a:schemeClr val="tx1"/>
                 </a:solidFill>
@@ -6937,7 +6741,7 @@
               </a14:hiddenLine>
             </a:ext>
             <a:ext uri="{AF507438-7753-43e0-B8FC-AC1667EBCBE1}">
-              <a14:hiddenEffects xmlns:a14="http://schemas.microsoft.com/office/drawing/2010/main">
+              <a14:hiddenEffects xmlns:a14="http://schemas.microsoft.com/office/drawing/2010/main" xmlns="">
                 <a:effectLst>
                   <a:outerShdw dist="35921" dir="2700000" algn="ctr" rotWithShape="0">
                     <a:schemeClr val="bg2"/>
@@ -6984,14 +6788,14 @@
           <a:effectLst/>
           <a:extLst>
             <a:ext uri="{909E8E84-426E-40dd-AFC4-6F175D3DCCD1}">
-              <a14:hiddenFill xmlns:a14="http://schemas.microsoft.com/office/drawing/2010/main">
+              <a14:hiddenFill xmlns:a14="http://schemas.microsoft.com/office/drawing/2010/main" xmlns="">
                 <a:solidFill>
                   <a:schemeClr val="accent1"/>
                 </a:solidFill>
               </a14:hiddenFill>
             </a:ext>
             <a:ext uri="{91240B29-F687-4f45-9708-019B960494DF}">
-              <a14:hiddenLine xmlns:a14="http://schemas.microsoft.com/office/drawing/2010/main" w="9525">
+              <a14:hiddenLine xmlns:a14="http://schemas.microsoft.com/office/drawing/2010/main" xmlns="" w="9525">
                 <a:solidFill>
                   <a:schemeClr val="tx1"/>
                 </a:solidFill>
@@ -7001,7 +6805,7 @@
               </a14:hiddenLine>
             </a:ext>
             <a:ext uri="{AF507438-7753-43e0-B8FC-AC1667EBCBE1}">
-              <a14:hiddenEffects xmlns:a14="http://schemas.microsoft.com/office/drawing/2010/main">
+              <a14:hiddenEffects xmlns:a14="http://schemas.microsoft.com/office/drawing/2010/main" xmlns="">
                 <a:effectLst>
                   <a:outerShdw dist="35921" dir="2700000" algn="ctr" rotWithShape="0">
                     <a:schemeClr val="bg2"/>
@@ -7035,10 +6839,9 @@
           <a:lstStyle/>
           <a:p>
             <a:r>
-              <a:rPr lang="en-US" dirty="0" smtClean="0"/>
+              <a:rPr lang="en-US" dirty="0"/>
               <a:t>CCCEH</a:t>
             </a:r>
-            <a:endParaRPr lang="en-US" dirty="0"/>
           </a:p>
         </p:txBody>
       </p:sp>
@@ -7065,10 +6868,9 @@
           <a:lstStyle/>
           <a:p>
             <a:r>
-              <a:rPr lang="en-US" dirty="0" smtClean="0"/>
+              <a:rPr lang="en-US" dirty="0"/>
               <a:t>NHANES</a:t>
             </a:r>
-            <a:endParaRPr lang="en-US" dirty="0"/>
           </a:p>
         </p:txBody>
       </p:sp>
@@ -7132,7 +6934,7 @@
   <p:timing>
     <p:tnLst>
       <p:par>
-        <p:cTn xmlns:p14="http://schemas.microsoft.com/office/powerpoint/2010/main" id="1" dur="indefinite" restart="never" nodeType="tmRoot">
+        <p:cTn id="1" dur="indefinite" restart="never" nodeType="tmRoot">
           <p:childTnLst>
             <p:seq concurrent="1" nextAc="seek">
               <p:cTn id="2" dur="indefinite" nodeType="mainSeq">
@@ -7240,10 +7042,9 @@
           <a:lstStyle/>
           <a:p>
             <a:r>
-              <a:rPr lang="en-US" dirty="0" smtClean="0"/>
+              <a:rPr lang="en-US" dirty="0"/>
               <a:t>Complex survey weighting</a:t>
             </a:r>
-            <a:endParaRPr lang="en-US" dirty="0"/>
           </a:p>
         </p:txBody>
       </p:sp>
@@ -7265,7 +7066,7 @@
           <a:lstStyle/>
           <a:p>
             <a:r>
-              <a:rPr lang="en-US" dirty="0" smtClean="0"/>
+              <a:rPr lang="en-US" dirty="0"/>
               <a:t>Complex surveys often use clustered, stratified sampling</a:t>
             </a:r>
           </a:p>
@@ -7274,7 +7075,7 @@
           </a:p>
           <a:p>
             <a:r>
-              <a:rPr lang="en-US" dirty="0" smtClean="0"/>
+              <a:rPr lang="en-US" dirty="0"/>
               <a:t>Not going to get into the details, but essentially, you need to specify the clusters and strata correctly to get the right standard errors</a:t>
             </a:r>
           </a:p>
@@ -7283,7 +7084,7 @@
           </a:p>
           <a:p>
             <a:r>
-              <a:rPr lang="en-US" dirty="0" smtClean="0"/>
+              <a:rPr lang="en-US" dirty="0"/>
               <a:t>So, does just specifying the row weights work for us?</a:t>
             </a:r>
           </a:p>
@@ -7322,13 +7123,6 @@
   <p:clrMapOvr>
     <a:masterClrMapping/>
   </p:clrMapOvr>
-  <p:timing>
-    <p:tnLst>
-      <p:par>
-        <p:cTn xmlns:p14="http://schemas.microsoft.com/office/powerpoint/2010/main" id="1" dur="indefinite" restart="never" nodeType="tmRoot"/>
-      </p:par>
-    </p:tnLst>
-  </p:timing>
 </p:sld>
 </file>
 
@@ -7367,10 +7161,9 @@
           <a:lstStyle/>
           <a:p>
             <a:r>
-              <a:rPr lang="en-US" dirty="0" smtClean="0"/>
+              <a:rPr lang="en-US" dirty="0"/>
               <a:t>PCAs and complex surveys</a:t>
             </a:r>
-            <a:endParaRPr lang="en-US" dirty="0"/>
           </a:p>
         </p:txBody>
       </p:sp>
@@ -7392,54 +7185,46 @@
           <a:lstStyle/>
           <a:p>
             <a:r>
-              <a:rPr lang="en-US" dirty="0" smtClean="0"/>
+              <a:rPr lang="en-US" dirty="0"/>
               <a:t>PCAs in complex survey data is an area of active research:</a:t>
             </a:r>
           </a:p>
           <a:p>
             <a:pPr lvl="1"/>
             <a:r>
-              <a:rPr lang="en-US" dirty="0" smtClean="0"/>
+              <a:rPr lang="en-US" dirty="0"/>
               <a:t>PCAs should account for the survey design, but they generally don't in practice</a:t>
             </a:r>
           </a:p>
           <a:p>
             <a:pPr lvl="1"/>
             <a:r>
-              <a:rPr lang="en-US" dirty="0" smtClean="0"/>
+              <a:rPr lang="en-US" dirty="0"/>
               <a:t>Technically, this is non-trivial</a:t>
             </a:r>
           </a:p>
           <a:p>
             <a:pPr lvl="1"/>
             <a:r>
-              <a:rPr lang="en-US" dirty="0" smtClean="0"/>
+              <a:rPr lang="en-US" dirty="0"/>
               <a:t>Biases do not appear to be huge for our purposes here</a:t>
             </a:r>
           </a:p>
           <a:p>
             <a:pPr lvl="1"/>
             <a:r>
-              <a:rPr lang="en-US" dirty="0" smtClean="0"/>
-              <a:t>Read </a:t>
-            </a:r>
-            <a:r>
-              <a:rPr lang="en-US" dirty="0"/>
-              <a:t>more: https://www.amstat.org/sections/SRMS/Proceedings/y2008/Files/302340.</a:t>
-            </a:r>
-            <a:r>
-              <a:rPr lang="en-US" dirty="0" smtClean="0"/>
-              <a:t>pdf</a:t>
+              <a:rPr lang="en-US" dirty="0"/>
+              <a:t>Read more: https://www.amstat.org/sections/SRMS/Proceedings/y2008/Files/302340.pdf</a:t>
             </a:r>
           </a:p>
           <a:p>
             <a:pPr lvl="1"/>
             <a:r>
-              <a:rPr lang="en-US" dirty="0" smtClean="0"/>
+              <a:rPr lang="en-US" dirty="0"/>
               <a:t>(Sample code in </a:t>
             </a:r>
             <a:r>
-              <a:rPr lang="en-US" smtClean="0"/>
+              <a:rPr lang="en-US"/>
               <a:t>accompanying file)</a:t>
             </a:r>
             <a:endParaRPr lang="en-US" dirty="0"/>
@@ -7479,13 +7264,6 @@
   <p:clrMapOvr>
     <a:masterClrMapping/>
   </p:clrMapOvr>
-  <p:timing>
-    <p:tnLst>
-      <p:par>
-        <p:cTn xmlns:p14="http://schemas.microsoft.com/office/powerpoint/2010/main" id="1" dur="indefinite" restart="never" nodeType="tmRoot"/>
-      </p:par>
-    </p:tnLst>
-  </p:timing>
 </p:sld>
 </file>
 
@@ -7522,10 +7300,9 @@
           <a:lstStyle/>
           <a:p>
             <a:r>
-              <a:rPr lang="en-US" dirty="0" smtClean="0"/>
+              <a:rPr lang="en-US" dirty="0"/>
               <a:t>About Phthalates</a:t>
             </a:r>
-            <a:endParaRPr lang="en-US" dirty="0"/>
           </a:p>
         </p:txBody>
       </p:sp>
@@ -7552,24 +7329,15 @@
           <a:p>
             <a:pPr lvl="1"/>
             <a:r>
-              <a:rPr lang="en-US" dirty="0" smtClean="0"/>
-              <a:t>may </a:t>
-            </a:r>
-            <a:r>
-              <a:rPr lang="en-US" dirty="0"/>
-              <a:t>be endocrine </a:t>
-            </a:r>
-            <a:r>
-              <a:rPr lang="en-US" dirty="0" smtClean="0"/>
-              <a:t>disruptors</a:t>
-            </a:r>
-          </a:p>
-          <a:p>
-            <a:r>
-              <a:rPr lang="en-US" dirty="0" smtClean="0"/>
+              <a:rPr lang="en-US" dirty="0"/>
+              <a:t>may be endocrine disruptors</a:t>
+            </a:r>
+          </a:p>
+          <a:p>
+            <a:r>
+              <a:rPr lang="en-US" dirty="0"/>
               <a:t>Hard to measure external dose – usually measure urinary metabolites</a:t>
             </a:r>
-            <a:endParaRPr lang="en-US" dirty="0"/>
           </a:p>
         </p:txBody>
       </p:sp>
@@ -7606,13 +7374,6 @@
   <p:clrMapOvr>
     <a:masterClrMapping/>
   </p:clrMapOvr>
-  <p:timing>
-    <p:tnLst>
-      <p:par>
-        <p:cTn xmlns:p14="http://schemas.microsoft.com/office/powerpoint/2010/main" id="1" dur="indefinite" restart="never" nodeType="tmRoot"/>
-      </p:par>
-    </p:tnLst>
-  </p:timing>
 </p:sld>
 </file>
 
@@ -7649,10 +7410,9 @@
           <a:lstStyle/>
           <a:p>
             <a:r>
-              <a:rPr lang="en-US" dirty="0" smtClean="0"/>
+              <a:rPr lang="en-US" dirty="0"/>
               <a:t>Initial Analysis</a:t>
             </a:r>
-            <a:endParaRPr lang="en-US" dirty="0"/>
           </a:p>
         </p:txBody>
       </p:sp>
@@ -7672,17 +7432,16 @@
           <a:lstStyle/>
           <a:p>
             <a:r>
-              <a:rPr lang="en-US" dirty="0" smtClean="0"/>
+              <a:rPr lang="en-US" dirty="0"/>
               <a:t>Characterized 9 phthalate metabolites in urine samples from pregnant women</a:t>
             </a:r>
           </a:p>
           <a:p>
             <a:pPr lvl="1"/>
             <a:r>
-              <a:rPr lang="en-US" dirty="0" smtClean="0"/>
+              <a:rPr lang="en-US" dirty="0"/>
               <a:t>Compared with body size of kids at age 7</a:t>
             </a:r>
-            <a:endParaRPr lang="en-US" dirty="0"/>
           </a:p>
         </p:txBody>
       </p:sp>
@@ -7722,14 +7481,14 @@
           <a:effectLst/>
           <a:extLst>
             <a:ext uri="{909E8E84-426E-40dd-AFC4-6F175D3DCCD1}">
-              <a14:hiddenFill xmlns:a14="http://schemas.microsoft.com/office/drawing/2010/main">
+              <a14:hiddenFill xmlns:a14="http://schemas.microsoft.com/office/drawing/2010/main" xmlns="">
                 <a:solidFill>
                   <a:schemeClr val="accent1"/>
                 </a:solidFill>
               </a14:hiddenFill>
             </a:ext>
             <a:ext uri="{91240B29-F687-4f45-9708-019B960494DF}">
-              <a14:hiddenLine xmlns:a14="http://schemas.microsoft.com/office/drawing/2010/main" w="9525">
+              <a14:hiddenLine xmlns:a14="http://schemas.microsoft.com/office/drawing/2010/main" xmlns="" w="9525">
                 <a:solidFill>
                   <a:schemeClr val="tx1"/>
                 </a:solidFill>
@@ -7739,7 +7498,7 @@
               </a14:hiddenLine>
             </a:ext>
             <a:ext uri="{AF507438-7753-43e0-B8FC-AC1667EBCBE1}">
-              <a14:hiddenEffects xmlns:a14="http://schemas.microsoft.com/office/drawing/2010/main">
+              <a14:hiddenEffects xmlns:a14="http://schemas.microsoft.com/office/drawing/2010/main" xmlns="">
                 <a:effectLst>
                   <a:outerShdw dist="35921" dir="2700000" algn="ctr" rotWithShape="0">
                     <a:schemeClr val="bg2"/>
@@ -7783,13 +7542,6 @@
   <p:clrMapOvr>
     <a:masterClrMapping/>
   </p:clrMapOvr>
-  <p:timing>
-    <p:tnLst>
-      <p:par>
-        <p:cTn xmlns:p14="http://schemas.microsoft.com/office/powerpoint/2010/main" id="1" dur="indefinite" restart="never" nodeType="tmRoot"/>
-      </p:par>
-    </p:tnLst>
-  </p:timing>
 </p:sld>
 </file>
 
@@ -7828,17 +7580,16 @@
           <a:lstStyle/>
           <a:p>
             <a:r>
-              <a:rPr lang="en-US" dirty="0" smtClean="0"/>
+              <a:rPr lang="en-US" dirty="0"/>
               <a:t>An aside on molecular</a:t>
             </a:r>
             <a:br>
-              <a:rPr lang="en-US" dirty="0" smtClean="0"/>
+              <a:rPr lang="en-US" dirty="0"/>
             </a:br>
             <a:r>
-              <a:rPr lang="en-US" dirty="0" smtClean="0"/>
+              <a:rPr lang="en-US" dirty="0"/>
               <a:t> epidemiology and metabolites…</a:t>
             </a:r>
-            <a:endParaRPr lang="en-US" dirty="0"/>
           </a:p>
         </p:txBody>
       </p:sp>
@@ -7860,34 +7611,34 @@
           <a:lstStyle/>
           <a:p>
             <a:r>
-              <a:rPr lang="en-US" dirty="0" smtClean="0"/>
+              <a:rPr lang="en-US" dirty="0"/>
               <a:t>Suppose Z is a chemical which is metabolized as: Z -&gt; Z1 -&gt; Z2 -&gt; Z3</a:t>
             </a:r>
           </a:p>
           <a:p>
             <a:pPr lvl="1"/>
             <a:r>
-              <a:rPr lang="en-US" dirty="0" smtClean="0"/>
+              <a:rPr lang="en-US" dirty="0"/>
               <a:t>Z3 is excreted in urine</a:t>
             </a:r>
           </a:p>
           <a:p>
             <a:pPr lvl="1"/>
             <a:r>
-              <a:rPr lang="en-US" dirty="0" smtClean="0"/>
+              <a:rPr lang="en-US" dirty="0"/>
               <a:t>Z2 causes cancer</a:t>
             </a:r>
           </a:p>
           <a:p>
             <a:pPr lvl="1"/>
             <a:r>
-              <a:rPr lang="en-US" dirty="0" smtClean="0"/>
+              <a:rPr lang="en-US" dirty="0"/>
               <a:t>Metabolic efficiency varies between people</a:t>
             </a:r>
           </a:p>
           <a:p>
             <a:r>
-              <a:rPr lang="en-US" dirty="0" smtClean="0"/>
+              <a:rPr lang="en-US" dirty="0"/>
               <a:t>If person A has more urinary Z3 than person B does, who is at higher risk for cancer owing to Z exposure?</a:t>
             </a:r>
           </a:p>
@@ -7926,13 +7677,6 @@
   <p:clrMapOvr>
     <a:masterClrMapping/>
   </p:clrMapOvr>
-  <p:timing>
-    <p:tnLst>
-      <p:par>
-        <p:cTn xmlns:p14="http://schemas.microsoft.com/office/powerpoint/2010/main" id="1" dur="indefinite" restart="never" nodeType="tmRoot"/>
-      </p:par>
-    </p:tnLst>
-  </p:timing>
 </p:sld>
 </file>
 
@@ -7969,39 +7713,38 @@
           <a:lstStyle/>
           <a:p>
             <a:r>
-              <a:rPr lang="en-US" dirty="0" smtClean="0"/>
+              <a:rPr lang="en-US" dirty="0"/>
               <a:t>… but anyway</a:t>
             </a:r>
+          </a:p>
+        </p:txBody>
+      </p:sp>
+      <p:sp>
+        <p:nvSpPr>
+          <p:cNvPr id="3" name="Content Placeholder 2"/>
+          <p:cNvSpPr>
+            <a:spLocks noGrp="1"/>
+          </p:cNvSpPr>
+          <p:nvPr>
+            <p:ph idx="1"/>
+          </p:nvPr>
+        </p:nvSpPr>
+        <p:spPr/>
+        <p:txBody>
+          <a:bodyPr/>
+          <a:lstStyle/>
+          <a:p>
+            <a:r>
+              <a:rPr lang="en-US" dirty="0"/>
+              <a:t>It turns out that the levels of these 9 metabolites are log-normally distributed and are correlated</a:t>
+            </a:r>
+          </a:p>
+          <a:p>
             <a:endParaRPr lang="en-US" dirty="0"/>
           </a:p>
-        </p:txBody>
-      </p:sp>
-      <p:sp>
-        <p:nvSpPr>
-          <p:cNvPr id="3" name="Content Placeholder 2"/>
-          <p:cNvSpPr>
-            <a:spLocks noGrp="1"/>
-          </p:cNvSpPr>
-          <p:nvPr>
-            <p:ph idx="1"/>
-          </p:nvPr>
-        </p:nvSpPr>
-        <p:spPr/>
-        <p:txBody>
-          <a:bodyPr/>
-          <a:lstStyle/>
-          <a:p>
-            <a:r>
-              <a:rPr lang="en-US" dirty="0" smtClean="0"/>
-              <a:t>It turns out that the levels of these 9 metabolites are log-normally distributed and are correlated</a:t>
-            </a:r>
-          </a:p>
-          <a:p>
-            <a:endParaRPr lang="en-US" dirty="0"/>
-          </a:p>
-          <a:p>
-            <a:r>
-              <a:rPr lang="en-US" dirty="0" smtClean="0"/>
+          <a:p>
+            <a:r>
+              <a:rPr lang="en-US" dirty="0"/>
               <a:t>So, analytic plan: use PCA to identify components of variance, and use components to predict obesity status</a:t>
             </a:r>
           </a:p>
@@ -8040,13 +7783,6 @@
   <p:clrMapOvr>
     <a:masterClrMapping/>
   </p:clrMapOvr>
-  <p:timing>
-    <p:tnLst>
-      <p:par>
-        <p:cTn xmlns:p14="http://schemas.microsoft.com/office/powerpoint/2010/main" id="1" dur="indefinite" restart="never" nodeType="tmRoot"/>
-      </p:par>
-    </p:tnLst>
-  </p:timing>
 </p:sld>
 </file>
 
@@ -8083,10 +7819,9 @@
           <a:lstStyle/>
           <a:p>
             <a:r>
-              <a:rPr lang="en-US" dirty="0" smtClean="0"/>
+              <a:rPr lang="en-US" dirty="0"/>
               <a:t>Reviewer feedback</a:t>
             </a:r>
-            <a:endParaRPr lang="en-US" dirty="0"/>
           </a:p>
         </p:txBody>
       </p:sp>
@@ -8106,10 +7841,9 @@
           <a:lstStyle/>
           <a:p>
             <a:r>
-              <a:rPr lang="en-US" dirty="0" smtClean="0"/>
+              <a:rPr lang="en-US" dirty="0"/>
               <a:t>How do we know if your results generalize outside your sample if you use component scores?</a:t>
             </a:r>
-            <a:endParaRPr lang="en-US" dirty="0"/>
           </a:p>
         </p:txBody>
       </p:sp>
@@ -8145,7 +7879,7 @@
           <a:noFill/>
           <a:extLst>
             <a:ext uri="{909E8E84-426E-40dd-AFC4-6F175D3DCCD1}">
-              <a14:hiddenFill xmlns:a14="http://schemas.microsoft.com/office/drawing/2010/main">
+              <a14:hiddenFill xmlns:a14="http://schemas.microsoft.com/office/drawing/2010/main" xmlns="">
                 <a:solidFill>
                   <a:srgbClr val="FFFFFF"/>
                 </a:solidFill>
@@ -8187,13 +7921,6 @@
   <p:clrMapOvr>
     <a:masterClrMapping/>
   </p:clrMapOvr>
-  <p:timing>
-    <p:tnLst>
-      <p:par>
-        <p:cTn xmlns:p14="http://schemas.microsoft.com/office/powerpoint/2010/main" id="1" dur="indefinite" restart="never" nodeType="tmRoot"/>
-      </p:par>
-    </p:tnLst>
-  </p:timing>
 </p:sld>
 </file>
 
@@ -8230,10 +7957,9 @@
           <a:lstStyle/>
           <a:p>
             <a:r>
-              <a:rPr lang="en-US" dirty="0" smtClean="0"/>
+              <a:rPr lang="en-US" dirty="0"/>
               <a:t>So… our goal:</a:t>
             </a:r>
-            <a:endParaRPr lang="en-US" dirty="0"/>
           </a:p>
         </p:txBody>
       </p:sp>
@@ -8255,7 +7981,7 @@
           <a:lstStyle/>
           <a:p>
             <a:r>
-              <a:rPr lang="en-US" dirty="0" smtClean="0"/>
+              <a:rPr lang="en-US" dirty="0"/>
               <a:t>See how similar the components identified by a PCA for NHANES women age 15-45 are to the components identified by the PCA in the our cohort</a:t>
             </a:r>
           </a:p>
@@ -8297,13 +8023,6 @@
   <p:clrMapOvr>
     <a:masterClrMapping/>
   </p:clrMapOvr>
-  <p:timing>
-    <p:tnLst>
-      <p:par>
-        <p:cTn xmlns:p14="http://schemas.microsoft.com/office/powerpoint/2010/main" id="1" dur="indefinite" restart="never" nodeType="tmRoot"/>
-      </p:par>
-    </p:tnLst>
-  </p:timing>
 </p:sld>
 </file>
 
@@ -8340,10 +8059,9 @@
           <a:lstStyle/>
           <a:p>
             <a:r>
-              <a:rPr lang="en-US" dirty="0" smtClean="0"/>
+              <a:rPr lang="en-US" dirty="0"/>
               <a:t>Specific plan</a:t>
             </a:r>
-            <a:endParaRPr lang="en-US" dirty="0"/>
           </a:p>
         </p:txBody>
       </p:sp>
@@ -8369,7 +8087,7 @@
               <a:buAutoNum type="arabicPeriod"/>
             </a:pPr>
             <a:r>
-              <a:rPr lang="en-US" dirty="0" smtClean="0"/>
+              <a:rPr lang="en-US" dirty="0"/>
               <a:t>Download relevant NHANES data</a:t>
             </a:r>
           </a:p>
@@ -8379,7 +8097,7 @@
               <a:buAutoNum type="arabicPeriod"/>
             </a:pPr>
             <a:r>
-              <a:rPr lang="en-US" dirty="0" smtClean="0"/>
+              <a:rPr lang="en-US" dirty="0"/>
               <a:t>Load NHANES data into R</a:t>
             </a:r>
           </a:p>
@@ -8399,7 +8117,7 @@
               <a:buAutoNum type="arabicPeriod"/>
             </a:pPr>
             <a:r>
-              <a:rPr lang="en-US" dirty="0" smtClean="0"/>
+              <a:rPr lang="en-US" dirty="0"/>
               <a:t>Log transform phthalate metabolite variables</a:t>
             </a:r>
           </a:p>
@@ -8409,7 +8127,7 @@
               <a:buAutoNum type="arabicPeriod"/>
             </a:pPr>
             <a:r>
-              <a:rPr lang="en-US" dirty="0" smtClean="0"/>
+              <a:rPr lang="en-US" dirty="0"/>
               <a:t>Run a PCA and compute component scores</a:t>
             </a:r>
           </a:p>
@@ -8419,19 +8137,18 @@
               <a:buAutoNum type="arabicPeriod"/>
             </a:pPr>
             <a:r>
-              <a:rPr lang="en-US" dirty="0" smtClean="0"/>
+              <a:rPr lang="en-US" dirty="0"/>
               <a:t>Compare to component scores in CCCEH</a:t>
             </a:r>
           </a:p>
           <a:p>
-            <a:endParaRPr lang="en-US" dirty="0" smtClean="0"/>
-          </a:p>
-          <a:p>
-            <a:r>
-              <a:rPr lang="en-US" dirty="0" smtClean="0"/>
+            <a:endParaRPr lang="en-US" dirty="0"/>
+          </a:p>
+          <a:p>
+            <a:r>
+              <a:rPr lang="en-US" dirty="0"/>
               <a:t>A Bonus question: what do we do about the complex survey sampling used by NHANES?</a:t>
             </a:r>
-            <a:endParaRPr lang="en-US" dirty="0"/>
           </a:p>
         </p:txBody>
       </p:sp>
@@ -8468,13 +8185,6 @@
   <p:clrMapOvr>
     <a:masterClrMapping/>
   </p:clrMapOvr>
-  <p:timing>
-    <p:tnLst>
-      <p:par>
-        <p:cTn xmlns:p14="http://schemas.microsoft.com/office/powerpoint/2010/main" id="1" dur="indefinite" restart="never" nodeType="tmRoot"/>
-      </p:par>
-    </p:tnLst>
-  </p:timing>
 </p:sld>
 </file>
 
